--- a/Презентация.pptx
+++ b/Презентация.pptx
@@ -5,7 +5,7 @@
     <p:sldMasterId id="2147483648" r:id="rId1"/>
   </p:sldMasterIdLst>
   <p:notesMasterIdLst>
-    <p:notesMasterId r:id="rId16"/>
+    <p:notesMasterId r:id="rId17"/>
   </p:notesMasterIdLst>
   <p:sldIdLst>
     <p:sldId id="257" r:id="rId2"/>
@@ -21,7 +21,8 @@
     <p:sldId id="267" r:id="rId12"/>
     <p:sldId id="268" r:id="rId13"/>
     <p:sldId id="269" r:id="rId14"/>
-    <p:sldId id="270" r:id="rId15"/>
+    <p:sldId id="271" r:id="rId15"/>
+    <p:sldId id="270" r:id="rId16"/>
   </p:sldIdLst>
   <p:sldSz cx="12192000" cy="6858000"/>
   <p:notesSz cx="6858000" cy="9144000"/>
@@ -210,7 +211,7 @@
           <a:p>
             <a:fld id="{7666A708-876E-498E-85A8-C5A259448180}" type="datetimeFigureOut">
               <a:rPr lang="ru-RU" smtClean="0"/>
-              <a:t>вс 25.02.18</a:t>
+              <a:t>пн 26.02.18</a:t>
             </a:fld>
             <a:endParaRPr lang="ru-RU"/>
           </a:p>
@@ -689,7 +690,7 @@
           <a:p>
             <a:fld id="{5A671563-8D8C-4C6F-AC35-91821EB9D112}" type="datetimeFigureOut">
               <a:rPr lang="ru-RU" smtClean="0"/>
-              <a:t>вс 25.02.18</a:t>
+              <a:t>пн 26.02.18</a:t>
             </a:fld>
             <a:endParaRPr lang="ru-RU"/>
           </a:p>
@@ -859,7 +860,7 @@
           <a:p>
             <a:fld id="{5A671563-8D8C-4C6F-AC35-91821EB9D112}" type="datetimeFigureOut">
               <a:rPr lang="ru-RU" smtClean="0"/>
-              <a:t>вс 25.02.18</a:t>
+              <a:t>пн 26.02.18</a:t>
             </a:fld>
             <a:endParaRPr lang="ru-RU"/>
           </a:p>
@@ -1039,7 +1040,7 @@
           <a:p>
             <a:fld id="{5A671563-8D8C-4C6F-AC35-91821EB9D112}" type="datetimeFigureOut">
               <a:rPr lang="ru-RU" smtClean="0"/>
-              <a:t>вс 25.02.18</a:t>
+              <a:t>пн 26.02.18</a:t>
             </a:fld>
             <a:endParaRPr lang="ru-RU"/>
           </a:p>
@@ -1209,7 +1210,7 @@
           <a:p>
             <a:fld id="{5A671563-8D8C-4C6F-AC35-91821EB9D112}" type="datetimeFigureOut">
               <a:rPr lang="ru-RU" smtClean="0"/>
-              <a:t>вс 25.02.18</a:t>
+              <a:t>пн 26.02.18</a:t>
             </a:fld>
             <a:endParaRPr lang="ru-RU"/>
           </a:p>
@@ -1455,7 +1456,7 @@
           <a:p>
             <a:fld id="{5A671563-8D8C-4C6F-AC35-91821EB9D112}" type="datetimeFigureOut">
               <a:rPr lang="ru-RU" smtClean="0"/>
-              <a:t>вс 25.02.18</a:t>
+              <a:t>пн 26.02.18</a:t>
             </a:fld>
             <a:endParaRPr lang="ru-RU"/>
           </a:p>
@@ -1687,7 +1688,7 @@
           <a:p>
             <a:fld id="{5A671563-8D8C-4C6F-AC35-91821EB9D112}" type="datetimeFigureOut">
               <a:rPr lang="ru-RU" smtClean="0"/>
-              <a:t>вс 25.02.18</a:t>
+              <a:t>пн 26.02.18</a:t>
             </a:fld>
             <a:endParaRPr lang="ru-RU"/>
           </a:p>
@@ -2054,7 +2055,7 @@
           <a:p>
             <a:fld id="{5A671563-8D8C-4C6F-AC35-91821EB9D112}" type="datetimeFigureOut">
               <a:rPr lang="ru-RU" smtClean="0"/>
-              <a:t>вс 25.02.18</a:t>
+              <a:t>пн 26.02.18</a:t>
             </a:fld>
             <a:endParaRPr lang="ru-RU"/>
           </a:p>
@@ -2172,7 +2173,7 @@
           <a:p>
             <a:fld id="{5A671563-8D8C-4C6F-AC35-91821EB9D112}" type="datetimeFigureOut">
               <a:rPr lang="ru-RU" smtClean="0"/>
-              <a:t>вс 25.02.18</a:t>
+              <a:t>пн 26.02.18</a:t>
             </a:fld>
             <a:endParaRPr lang="ru-RU"/>
           </a:p>
@@ -2267,7 +2268,7 @@
           <a:p>
             <a:fld id="{5A671563-8D8C-4C6F-AC35-91821EB9D112}" type="datetimeFigureOut">
               <a:rPr lang="ru-RU" smtClean="0"/>
-              <a:t>вс 25.02.18</a:t>
+              <a:t>пн 26.02.18</a:t>
             </a:fld>
             <a:endParaRPr lang="ru-RU"/>
           </a:p>
@@ -2544,7 +2545,7 @@
           <a:p>
             <a:fld id="{5A671563-8D8C-4C6F-AC35-91821EB9D112}" type="datetimeFigureOut">
               <a:rPr lang="ru-RU" smtClean="0"/>
-              <a:t>вс 25.02.18</a:t>
+              <a:t>пн 26.02.18</a:t>
             </a:fld>
             <a:endParaRPr lang="ru-RU"/>
           </a:p>
@@ -2797,7 +2798,7 @@
           <a:p>
             <a:fld id="{5A671563-8D8C-4C6F-AC35-91821EB9D112}" type="datetimeFigureOut">
               <a:rPr lang="ru-RU" smtClean="0"/>
-              <a:t>вс 25.02.18</a:t>
+              <a:t>пн 26.02.18</a:t>
             </a:fld>
             <a:endParaRPr lang="ru-RU"/>
           </a:p>
@@ -3010,7 +3011,7 @@
           <a:p>
             <a:fld id="{5A671563-8D8C-4C6F-AC35-91821EB9D112}" type="datetimeFigureOut">
               <a:rPr lang="ru-RU" smtClean="0"/>
-              <a:t>вс 25.02.18</a:t>
+              <a:t>пн 26.02.18</a:t>
             </a:fld>
             <a:endParaRPr lang="ru-RU"/>
           </a:p>
@@ -3855,16 +3856,23 @@
             <p:ph type="title"/>
           </p:nvPr>
         </p:nvSpPr>
-        <p:spPr/>
-        <p:txBody>
-          <a:bodyPr/>
-          <a:lstStyle/>
-          <a:p>
-            <a:r>
-              <a:rPr lang="ru-RU" dirty="0" smtClean="0"/>
+        <p:spPr>
+          <a:xfrm>
+            <a:off x="435928" y="-292100"/>
+            <a:ext cx="10515600" cy="1325563"/>
+          </a:xfrm>
+        </p:spPr>
+        <p:txBody>
+          <a:bodyPr>
+            <a:normAutofit/>
+          </a:bodyPr>
+          <a:lstStyle/>
+          <a:p>
+            <a:r>
+              <a:rPr lang="ru-RU" sz="3200" dirty="0" smtClean="0"/>
               <a:t>Диаграмма классов</a:t>
             </a:r>
-            <a:endParaRPr lang="ru-RU" dirty="0"/>
+            <a:endParaRPr lang="ru-RU" sz="3200" dirty="0"/>
           </a:p>
         </p:txBody>
       </p:sp>
@@ -3889,8 +3897,8 @@
         </p:blipFill>
         <p:spPr bwMode="auto">
           <a:xfrm>
-            <a:off x="1600518" y="1528763"/>
-            <a:ext cx="8186420" cy="5066982"/>
+            <a:off x="1600517" y="685800"/>
+            <a:ext cx="9129395" cy="5909945"/>
           </a:xfrm>
           <a:prstGeom prst="rect">
             <a:avLst/>
@@ -3948,7 +3956,12 @@
             <p:ph type="title"/>
           </p:nvPr>
         </p:nvSpPr>
-        <p:spPr/>
+        <p:spPr>
+          <a:xfrm>
+            <a:off x="738187" y="-320676"/>
+            <a:ext cx="10515600" cy="1325563"/>
+          </a:xfrm>
+        </p:spPr>
         <p:txBody>
           <a:bodyPr/>
           <a:lstStyle/>
@@ -3982,8 +3995,8 @@
         </p:blipFill>
         <p:spPr bwMode="auto">
           <a:xfrm>
-            <a:off x="1566863" y="1228725"/>
-            <a:ext cx="8477250" cy="5629275"/>
+            <a:off x="1566863" y="671513"/>
+            <a:ext cx="9220200" cy="6186487"/>
           </a:xfrm>
           <a:prstGeom prst="rect">
             <a:avLst/>
@@ -4041,7 +4054,12 @@
             <p:ph type="title"/>
           </p:nvPr>
         </p:nvSpPr>
-        <p:spPr/>
+        <p:spPr>
+          <a:xfrm>
+            <a:off x="3136106" y="-180975"/>
+            <a:ext cx="10515600" cy="1325563"/>
+          </a:xfrm>
+        </p:spPr>
         <p:txBody>
           <a:bodyPr/>
           <a:lstStyle/>
@@ -4094,7 +4112,7 @@
         </p:blipFill>
         <p:spPr bwMode="auto">
           <a:xfrm>
-            <a:off x="6815137" y="365125"/>
+            <a:off x="3136106" y="795337"/>
             <a:ext cx="5376863" cy="6062663"/>
           </a:xfrm>
           <a:prstGeom prst="rect">
@@ -4265,6 +4283,146 @@
             <p:ph type="title"/>
           </p:nvPr>
         </p:nvSpPr>
+        <p:spPr/>
+        <p:txBody>
+          <a:bodyPr/>
+          <a:lstStyle/>
+          <a:p>
+            <a:r>
+              <a:rPr lang="ru-RU" dirty="0" smtClean="0"/>
+              <a:t>Выводы:</a:t>
+            </a:r>
+            <a:endParaRPr lang="ru-RU" dirty="0"/>
+          </a:p>
+        </p:txBody>
+      </p:sp>
+      <p:sp>
+        <p:nvSpPr>
+          <p:cNvPr id="3" name="Объект 2"/>
+          <p:cNvSpPr>
+            <a:spLocks noGrp="1"/>
+          </p:cNvSpPr>
+          <p:nvPr>
+            <p:ph idx="1"/>
+          </p:nvPr>
+        </p:nvSpPr>
+        <p:spPr/>
+        <p:txBody>
+          <a:bodyPr/>
+          <a:lstStyle/>
+          <a:p>
+            <a:r>
+              <a:rPr lang="ru-RU" dirty="0" smtClean="0"/>
+              <a:t>Было реализовано </a:t>
+            </a:r>
+            <a:r>
+              <a:rPr lang="ru-RU" dirty="0" err="1" smtClean="0"/>
+              <a:t>портирование</a:t>
+            </a:r>
+            <a:r>
+              <a:rPr lang="ru-RU" dirty="0" smtClean="0"/>
+              <a:t> </a:t>
+            </a:r>
+            <a:r>
+              <a:rPr lang="en-US" dirty="0" err="1" smtClean="0"/>
+              <a:t>NotificationManager</a:t>
+            </a:r>
+            <a:r>
+              <a:rPr lang="en-US" dirty="0" smtClean="0"/>
+              <a:t> </a:t>
+            </a:r>
+            <a:r>
+              <a:rPr lang="ru-RU" dirty="0" smtClean="0"/>
+              <a:t>системы </a:t>
+            </a:r>
+            <a:r>
+              <a:rPr lang="en-US" dirty="0" err="1" smtClean="0"/>
+              <a:t>Traccar</a:t>
+            </a:r>
+            <a:r>
+              <a:rPr lang="en-US" dirty="0" smtClean="0"/>
+              <a:t> </a:t>
+            </a:r>
+            <a:r>
+              <a:rPr lang="ru-RU" dirty="0" smtClean="0"/>
+              <a:t>на </a:t>
+            </a:r>
+            <a:r>
+              <a:rPr lang="en-US" dirty="0" err="1" smtClean="0"/>
+              <a:t>Liferay</a:t>
+            </a:r>
+            <a:r>
+              <a:rPr lang="en-US" dirty="0"/>
+              <a:t>;</a:t>
+            </a:r>
+            <a:endParaRPr lang="ru-RU" dirty="0" smtClean="0"/>
+          </a:p>
+          <a:p>
+            <a:r>
+              <a:rPr lang="ru-RU" dirty="0" smtClean="0"/>
+              <a:t>Реализованный интерфейс успешно протестирован;</a:t>
+            </a:r>
+          </a:p>
+          <a:p>
+            <a:r>
+              <a:rPr lang="ru-RU" dirty="0" smtClean="0"/>
+              <a:t>Интерфейс имеет большие возможности для распространения и интеграции с другими </a:t>
+            </a:r>
+            <a:r>
+              <a:rPr lang="en-US" dirty="0" smtClean="0"/>
+              <a:t>GPS </a:t>
+            </a:r>
+            <a:r>
+              <a:rPr lang="ru-RU" dirty="0" smtClean="0"/>
+              <a:t>системами.</a:t>
+            </a:r>
+            <a:endParaRPr lang="en-US" dirty="0" smtClean="0"/>
+          </a:p>
+          <a:p>
+            <a:endParaRPr lang="ru-RU" dirty="0"/>
+          </a:p>
+        </p:txBody>
+      </p:sp>
+    </p:spTree>
+    <p:extLst>
+      <p:ext uri="{BB962C8B-B14F-4D97-AF65-F5344CB8AC3E}">
+        <p14:creationId xmlns:p14="http://schemas.microsoft.com/office/powerpoint/2010/main" val="2105643961"/>
+      </p:ext>
+    </p:extLst>
+  </p:cSld>
+  <p:clrMapOvr>
+    <a:masterClrMapping/>
+  </p:clrMapOvr>
+</p:sld>
+</file>
+
+<file path=ppt/slides/slide15.xml><?xml version="1.0" encoding="utf-8"?>
+<p:sld xmlns:a="http://schemas.openxmlformats.org/drawingml/2006/main" xmlns:r="http://schemas.openxmlformats.org/officeDocument/2006/relationships" xmlns:p="http://schemas.openxmlformats.org/presentationml/2006/main">
+  <p:cSld>
+    <p:spTree>
+      <p:nvGrpSpPr>
+        <p:cNvPr id="1" name=""/>
+        <p:cNvGrpSpPr/>
+        <p:nvPr/>
+      </p:nvGrpSpPr>
+      <p:grpSpPr>
+        <a:xfrm>
+          <a:off x="0" y="0"/>
+          <a:ext cx="0" cy="0"/>
+          <a:chOff x="0" y="0"/>
+          <a:chExt cx="0" cy="0"/>
+        </a:xfrm>
+      </p:grpSpPr>
+      <p:sp>
+        <p:nvSpPr>
+          <p:cNvPr id="2" name="Заголовок 1"/>
+          <p:cNvSpPr>
+            <a:spLocks noGrp="1"/>
+          </p:cNvSpPr>
+          <p:nvPr>
+            <p:ph type="title"/>
+          </p:nvPr>
+        </p:nvSpPr>
         <p:spPr>
           <a:xfrm>
             <a:off x="3352800" y="2479675"/>
@@ -4392,8 +4550,8 @@
         </p:blipFill>
         <p:spPr>
           <a:xfrm>
-            <a:off x="2058106" y="1911349"/>
-            <a:ext cx="8075788" cy="4351338"/>
+            <a:off x="685799" y="1291485"/>
+            <a:ext cx="10101263" cy="5442690"/>
           </a:xfrm>
           <a:prstGeom prst="rect">
             <a:avLst/>
@@ -4495,8 +4653,8 @@
         </p:blipFill>
         <p:spPr bwMode="auto">
           <a:xfrm>
-            <a:off x="2728912" y="1797889"/>
-            <a:ext cx="7407259" cy="4631487"/>
+            <a:off x="1628774" y="1571296"/>
+            <a:ext cx="7872413" cy="4922330"/>
           </a:xfrm>
           <a:prstGeom prst="rect">
             <a:avLst/>
@@ -4560,16 +4718,23 @@
             <p:ph type="title"/>
           </p:nvPr>
         </p:nvSpPr>
-        <p:spPr/>
-        <p:txBody>
-          <a:bodyPr/>
-          <a:lstStyle/>
-          <a:p>
-            <a:r>
-              <a:rPr lang="ru-RU" dirty="0" smtClean="0"/>
+        <p:spPr>
+          <a:xfrm>
+            <a:off x="838200" y="-334963"/>
+            <a:ext cx="10515600" cy="1325563"/>
+          </a:xfrm>
+        </p:spPr>
+        <p:txBody>
+          <a:bodyPr>
+            <a:normAutofit/>
+          </a:bodyPr>
+          <a:lstStyle/>
+          <a:p>
+            <a:r>
+              <a:rPr lang="ru-RU" sz="3200" dirty="0" smtClean="0"/>
               <a:t>Система в окружении внешних систем</a:t>
             </a:r>
-            <a:endParaRPr lang="ru-RU" dirty="0"/>
+            <a:endParaRPr lang="ru-RU" sz="3200" dirty="0"/>
           </a:p>
         </p:txBody>
       </p:sp>
@@ -4594,8 +4759,8 @@
         </p:blipFill>
         <p:spPr bwMode="auto">
           <a:xfrm>
-            <a:off x="1140777" y="1243013"/>
-            <a:ext cx="9910446" cy="5309869"/>
+            <a:off x="526414" y="742950"/>
+            <a:ext cx="10827386" cy="5900737"/>
           </a:xfrm>
           <a:prstGeom prst="rect">
             <a:avLst/>
@@ -4875,16 +5040,23 @@
             <p:ph type="title"/>
           </p:nvPr>
         </p:nvSpPr>
-        <p:spPr/>
-        <p:txBody>
-          <a:bodyPr/>
-          <a:lstStyle/>
-          <a:p>
-            <a:r>
-              <a:rPr lang="ru-RU" dirty="0" smtClean="0"/>
+        <p:spPr>
+          <a:xfrm>
+            <a:off x="766762" y="-306388"/>
+            <a:ext cx="10515600" cy="1325563"/>
+          </a:xfrm>
+        </p:spPr>
+        <p:txBody>
+          <a:bodyPr>
+            <a:normAutofit/>
+          </a:bodyPr>
+          <a:lstStyle/>
+          <a:p>
+            <a:r>
+              <a:rPr lang="ru-RU" sz="3200" dirty="0" smtClean="0"/>
               <a:t>Выявление заинтересованных сторон и их интересов</a:t>
             </a:r>
-            <a:endParaRPr lang="ru-RU" dirty="0"/>
+            <a:endParaRPr lang="ru-RU" sz="3200" dirty="0"/>
           </a:p>
         </p:txBody>
       </p:sp>
@@ -4904,8 +5076,8 @@
         </p:blipFill>
         <p:spPr>
           <a:xfrm>
-            <a:off x="2452687" y="1690688"/>
-            <a:ext cx="6948488" cy="4857700"/>
+            <a:off x="983197" y="600075"/>
+            <a:ext cx="8951379" cy="6257925"/>
           </a:xfrm>
           <a:prstGeom prst="rect">
             <a:avLst/>
@@ -4959,16 +5131,23 @@
             <p:ph type="title"/>
           </p:nvPr>
         </p:nvSpPr>
-        <p:spPr/>
-        <p:txBody>
-          <a:bodyPr/>
-          <a:lstStyle/>
-          <a:p>
-            <a:r>
-              <a:rPr lang="ru-RU" dirty="0" smtClean="0"/>
+        <p:spPr>
+          <a:xfrm>
+            <a:off x="781050" y="-277813"/>
+            <a:ext cx="10515600" cy="1325563"/>
+          </a:xfrm>
+        </p:spPr>
+        <p:txBody>
+          <a:bodyPr>
+            <a:normAutofit/>
+          </a:bodyPr>
+          <a:lstStyle/>
+          <a:p>
+            <a:r>
+              <a:rPr lang="ru-RU" sz="3200" dirty="0" smtClean="0"/>
               <a:t>Выбор технических решений</a:t>
             </a:r>
-            <a:endParaRPr lang="ru-RU" dirty="0"/>
+            <a:endParaRPr lang="ru-RU" sz="3200" dirty="0"/>
           </a:p>
         </p:txBody>
       </p:sp>
@@ -4988,8 +5167,8 @@
         </p:blipFill>
         <p:spPr>
           <a:xfrm>
-            <a:off x="2181225" y="1582082"/>
-            <a:ext cx="6777038" cy="5128280"/>
+            <a:off x="1242239" y="612062"/>
+            <a:ext cx="8058924" cy="6098301"/>
           </a:xfrm>
           <a:prstGeom prst="rect">
             <a:avLst/>
@@ -5043,16 +5222,23 @@
             <p:ph type="title"/>
           </p:nvPr>
         </p:nvSpPr>
-        <p:spPr/>
-        <p:txBody>
-          <a:bodyPr/>
-          <a:lstStyle/>
-          <a:p>
-            <a:r>
-              <a:rPr lang="ru-RU" dirty="0" smtClean="0"/>
+        <p:spPr>
+          <a:xfrm>
+            <a:off x="683578" y="-149225"/>
+            <a:ext cx="10515600" cy="1325563"/>
+          </a:xfrm>
+        </p:spPr>
+        <p:txBody>
+          <a:bodyPr>
+            <a:normAutofit/>
+          </a:bodyPr>
+          <a:lstStyle/>
+          <a:p>
+            <a:r>
+              <a:rPr lang="ru-RU" sz="3200" dirty="0" smtClean="0"/>
               <a:t>Диаграмма компонентов</a:t>
             </a:r>
-            <a:endParaRPr lang="ru-RU" dirty="0"/>
+            <a:endParaRPr lang="ru-RU" sz="3200" dirty="0"/>
           </a:p>
         </p:txBody>
       </p:sp>
@@ -5096,8 +5282,8 @@
         </p:blipFill>
         <p:spPr bwMode="auto">
           <a:xfrm>
-            <a:off x="1414780" y="1825625"/>
-            <a:ext cx="8600757" cy="4304348"/>
+            <a:off x="971868" y="885825"/>
+            <a:ext cx="10381932" cy="5830094"/>
           </a:xfrm>
           <a:prstGeom prst="rect">
             <a:avLst/>
@@ -5164,7 +5350,7 @@
         </p:blipFill>
         <p:spPr bwMode="auto">
           <a:xfrm>
-            <a:off x="1014413" y="365125"/>
+            <a:off x="585788" y="0"/>
             <a:ext cx="10444161" cy="5938837"/>
           </a:xfrm>
           <a:prstGeom prst="rect">
@@ -5193,19 +5379,21 @@
         </p:nvSpPr>
         <p:spPr>
           <a:xfrm>
-            <a:off x="4667250" y="5165725"/>
+            <a:off x="3986213" y="5532437"/>
             <a:ext cx="10515600" cy="1325563"/>
           </a:xfrm>
         </p:spPr>
         <p:txBody>
-          <a:bodyPr/>
-          <a:lstStyle/>
-          <a:p>
-            <a:r>
-              <a:rPr lang="ru-RU" dirty="0" smtClean="0"/>
+          <a:bodyPr>
+            <a:normAutofit/>
+          </a:bodyPr>
+          <a:lstStyle/>
+          <a:p>
+            <a:r>
+              <a:rPr lang="ru-RU" sz="3200" dirty="0" smtClean="0"/>
               <a:t>Модульная диаграмма</a:t>
             </a:r>
-            <a:endParaRPr lang="ru-RU" dirty="0"/>
+            <a:endParaRPr lang="ru-RU" sz="3200" dirty="0"/>
           </a:p>
         </p:txBody>
       </p:sp>

--- a/Презентация.pptx
+++ b/Презентация.pptx
@@ -3568,11 +3568,13 @@
         <p:spPr>
           <a:xfrm>
             <a:off x="8451852" y="4815417"/>
-            <a:ext cx="3549649" cy="1456267"/>
+            <a:ext cx="3549649" cy="1807452"/>
           </a:xfrm>
         </p:spPr>
         <p:txBody>
-          <a:bodyPr/>
+          <a:bodyPr>
+            <a:normAutofit/>
+          </a:bodyPr>
           <a:lstStyle/>
           <a:p>
             <a:pPr eaLnBrk="1" hangingPunct="1">
@@ -3659,8 +3661,75 @@
                 <a:cs typeface="Times New Roman" pitchFamily="18" charset="0"/>
                 <a:sym typeface="Times New Roman" pitchFamily="18" charset="0"/>
               </a:rPr>
-              <a:t>группа ИУ3-73</a:t>
-            </a:r>
+              <a:t>группа </a:t>
+            </a:r>
+            <a:r>
+              <a:rPr lang="ru-RU" dirty="0" smtClean="0">
+                <a:solidFill>
+                  <a:srgbClr val="595959"/>
+                </a:solidFill>
+                <a:latin typeface="Times New Roman" pitchFamily="18" charset="0"/>
+                <a:cs typeface="Times New Roman" pitchFamily="18" charset="0"/>
+                <a:sym typeface="Times New Roman" pitchFamily="18" charset="0"/>
+              </a:rPr>
+              <a:t>ИУ3-73</a:t>
+            </a:r>
+          </a:p>
+          <a:p>
+            <a:pPr eaLnBrk="1" hangingPunct="1">
+              <a:spcBef>
+                <a:spcPct val="0"/>
+              </a:spcBef>
+              <a:spcAft>
+                <a:spcPct val="0"/>
+              </a:spcAft>
+              <a:buClr>
+                <a:srgbClr val="595959"/>
+              </a:buClr>
+            </a:pPr>
+            <a:r>
+              <a:rPr lang="ru-RU" dirty="0" smtClean="0">
+                <a:solidFill>
+                  <a:srgbClr val="595959"/>
+                </a:solidFill>
+                <a:latin typeface="Times New Roman" pitchFamily="18" charset="0"/>
+                <a:cs typeface="Times New Roman" pitchFamily="18" charset="0"/>
+                <a:sym typeface="Times New Roman" pitchFamily="18" charset="0"/>
+              </a:rPr>
+              <a:t>Руководитель:</a:t>
+            </a:r>
+          </a:p>
+          <a:p>
+            <a:pPr eaLnBrk="1" hangingPunct="1">
+              <a:spcBef>
+                <a:spcPct val="0"/>
+              </a:spcBef>
+              <a:spcAft>
+                <a:spcPct val="0"/>
+              </a:spcAft>
+              <a:buClr>
+                <a:srgbClr val="595959"/>
+              </a:buClr>
+            </a:pPr>
+            <a:r>
+              <a:rPr lang="ru-RU" dirty="0" smtClean="0">
+                <a:solidFill>
+                  <a:srgbClr val="595959"/>
+                </a:solidFill>
+                <a:latin typeface="Times New Roman" pitchFamily="18" charset="0"/>
+                <a:cs typeface="Times New Roman" pitchFamily="18" charset="0"/>
+                <a:sym typeface="Times New Roman" pitchFamily="18" charset="0"/>
+              </a:rPr>
+              <a:t>Иванов А.М.</a:t>
+            </a:r>
+            <a:endParaRPr lang="ru-RU" dirty="0">
+              <a:solidFill>
+                <a:srgbClr val="595959"/>
+              </a:solidFill>
+              <a:latin typeface="Times New Roman" pitchFamily="18" charset="0"/>
+              <a:cs typeface="Times New Roman" pitchFamily="18" charset="0"/>
+              <a:sym typeface="Times New Roman" pitchFamily="18" charset="0"/>
+            </a:endParaRPr>
           </a:p>
         </p:txBody>
       </p:sp>
@@ -3809,6 +3878,36 @@
           </a:ln>
         </p:spPr>
       </p:pic>
+      <p:sp>
+        <p:nvSpPr>
+          <p:cNvPr id="2" name="TextBox 1"/>
+          <p:cNvSpPr txBox="1"/>
+          <p:nvPr/>
+        </p:nvSpPr>
+        <p:spPr>
+          <a:xfrm>
+            <a:off x="4035004" y="2561485"/>
+            <a:ext cx="4045659" cy="523220"/>
+          </a:xfrm>
+          <a:prstGeom prst="rect">
+            <a:avLst/>
+          </a:prstGeom>
+          <a:noFill/>
+        </p:spPr>
+        <p:txBody>
+          <a:bodyPr wrap="none" rtlCol="0">
+            <a:spAutoFit/>
+          </a:bodyPr>
+          <a:lstStyle/>
+          <a:p>
+            <a:r>
+              <a:rPr lang="ru-RU" sz="2800" dirty="0" smtClean="0"/>
+              <a:t>Курсовая работа на тему:</a:t>
+            </a:r>
+            <a:endParaRPr lang="ru-RU" sz="2800" dirty="0"/>
+          </a:p>
+        </p:txBody>
+      </p:sp>
     </p:spTree>
     <p:extLst>
       <p:ext uri="{BB962C8B-B14F-4D97-AF65-F5344CB8AC3E}">

--- a/Презентация.pptx
+++ b/Презентация.pptx
@@ -2,7 +2,7 @@
 <file path=ppt/presentation.xml><?xml version="1.0" encoding="utf-8"?>
 <p:presentation xmlns:a="http://schemas.openxmlformats.org/drawingml/2006/main" xmlns:r="http://schemas.openxmlformats.org/officeDocument/2006/relationships" xmlns:p="http://schemas.openxmlformats.org/presentationml/2006/main" saveSubsetFonts="1">
   <p:sldMasterIdLst>
-    <p:sldMasterId id="2147483648" r:id="rId1"/>
+    <p:sldMasterId id="2147483660" r:id="rId1"/>
   </p:sldMasterIdLst>
   <p:notesMasterIdLst>
     <p:notesMasterId r:id="rId17"/>
@@ -24,7 +24,7 @@
     <p:sldId id="271" r:id="rId15"/>
     <p:sldId id="270" r:id="rId16"/>
   </p:sldIdLst>
-  <p:sldSz cx="12192000" cy="6858000"/>
+  <p:sldSz cx="9144000" cy="6858000" type="screen4x3"/>
   <p:notesSz cx="6858000" cy="9144000"/>
   <p:defaultTextStyle>
     <a:defPPr>
@@ -229,8 +229,8 @@
         </p:nvSpPr>
         <p:spPr>
           <a:xfrm>
-            <a:off x="685800" y="1143000"/>
-            <a:ext cx="5486400" cy="3086100"/>
+            <a:off x="1371600" y="1143000"/>
+            <a:ext cx="4114800" cy="3086100"/>
           </a:xfrm>
           <a:prstGeom prst="rect">
             <a:avLst/>
@@ -507,6 +507,10 @@
           </p:nvPr>
         </p:nvSpPr>
         <p:spPr>
+          <a:xfrm>
+            <a:off x="1371600" y="1143000"/>
+            <a:ext cx="4114800" cy="3086100"/>
+          </a:xfrm>
           <a:noFill/>
           <a:ln>
             <a:headEnd/>
@@ -578,7 +582,7 @@
       </p:grpSpPr>
       <p:sp>
         <p:nvSpPr>
-          <p:cNvPr id="2" name="Заголовок 1"/>
+          <p:cNvPr id="2" name="Title 1"/>
           <p:cNvSpPr>
             <a:spLocks noGrp="1"/>
           </p:cNvSpPr>
@@ -588,8 +592,8 @@
         </p:nvSpPr>
         <p:spPr>
           <a:xfrm>
-            <a:off x="1524000" y="1122363"/>
-            <a:ext cx="9144000" cy="2387600"/>
+            <a:off x="685800" y="1122363"/>
+            <a:ext cx="7772400" cy="2387600"/>
           </a:xfrm>
         </p:spPr>
         <p:txBody>
@@ -604,13 +608,13 @@
               <a:rPr lang="ru-RU" smtClean="0"/>
               <a:t>Образец заголовка</a:t>
             </a:r>
-            <a:endParaRPr lang="ru-RU"/>
-          </a:p>
-        </p:txBody>
-      </p:sp>
-      <p:sp>
-        <p:nvSpPr>
-          <p:cNvPr id="3" name="Подзаголовок 2"/>
+            <a:endParaRPr lang="en-US" dirty="0"/>
+          </a:p>
+        </p:txBody>
+      </p:sp>
+      <p:sp>
+        <p:nvSpPr>
+          <p:cNvPr id="3" name="Subtitle 2"/>
           <p:cNvSpPr>
             <a:spLocks noGrp="1"/>
           </p:cNvSpPr>
@@ -620,8 +624,8 @@
         </p:nvSpPr>
         <p:spPr>
           <a:xfrm>
-            <a:off x="1524000" y="3602038"/>
-            <a:ext cx="9144000" cy="1655762"/>
+            <a:off x="1143000" y="3602038"/>
+            <a:ext cx="6858000" cy="1655762"/>
           </a:xfrm>
         </p:spPr>
         <p:txBody>
@@ -669,13 +673,13 @@
               <a:rPr lang="ru-RU" smtClean="0"/>
               <a:t>Образец подзаголовка</a:t>
             </a:r>
-            <a:endParaRPr lang="ru-RU"/>
-          </a:p>
-        </p:txBody>
-      </p:sp>
-      <p:sp>
-        <p:nvSpPr>
-          <p:cNvPr id="4" name="Дата 3"/>
+            <a:endParaRPr lang="en-US" dirty="0"/>
+          </a:p>
+        </p:txBody>
+      </p:sp>
+      <p:sp>
+        <p:nvSpPr>
+          <p:cNvPr id="4" name="Date Placeholder 3"/>
           <p:cNvSpPr>
             <a:spLocks noGrp="1"/>
           </p:cNvSpPr>
@@ -688,7 +692,7 @@
           <a:bodyPr/>
           <a:lstStyle/>
           <a:p>
-            <a:fld id="{5A671563-8D8C-4C6F-AC35-91821EB9D112}" type="datetimeFigureOut">
+            <a:fld id="{12933F33-AA39-48CF-A754-02113F6E123E}" type="datetime1">
               <a:rPr lang="ru-RU" smtClean="0"/>
               <a:t>пн 26.02.18</a:t>
             </a:fld>
@@ -698,7 +702,7 @@
       </p:sp>
       <p:sp>
         <p:nvSpPr>
-          <p:cNvPr id="5" name="Нижний колонтитул 4"/>
+          <p:cNvPr id="5" name="Footer Placeholder 4"/>
           <p:cNvSpPr>
             <a:spLocks noGrp="1"/>
           </p:cNvSpPr>
@@ -717,7 +721,7 @@
       </p:sp>
       <p:sp>
         <p:nvSpPr>
-          <p:cNvPr id="6" name="Номер слайда 5"/>
+          <p:cNvPr id="6" name="Slide Number Placeholder 5"/>
           <p:cNvSpPr>
             <a:spLocks noGrp="1"/>
           </p:cNvSpPr>
@@ -741,7 +745,7 @@
     </p:spTree>
     <p:extLst>
       <p:ext uri="{BB962C8B-B14F-4D97-AF65-F5344CB8AC3E}">
-        <p14:creationId xmlns:p14="http://schemas.microsoft.com/office/powerpoint/2010/main" val="4075417333"/>
+        <p14:creationId xmlns:p14="http://schemas.microsoft.com/office/powerpoint/2010/main" val="1504771721"/>
       </p:ext>
     </p:extLst>
   </p:cSld>
@@ -770,7 +774,7 @@
       </p:grpSpPr>
       <p:sp>
         <p:nvSpPr>
-          <p:cNvPr id="2" name="Заголовок 1"/>
+          <p:cNvPr id="2" name="Title 1"/>
           <p:cNvSpPr>
             <a:spLocks noGrp="1"/>
           </p:cNvSpPr>
@@ -787,13 +791,13 @@
               <a:rPr lang="ru-RU" smtClean="0"/>
               <a:t>Образец заголовка</a:t>
             </a:r>
-            <a:endParaRPr lang="ru-RU"/>
-          </a:p>
-        </p:txBody>
-      </p:sp>
-      <p:sp>
-        <p:nvSpPr>
-          <p:cNvPr id="3" name="Вертикальный текст 2"/>
+            <a:endParaRPr lang="en-US" dirty="0"/>
+          </a:p>
+        </p:txBody>
+      </p:sp>
+      <p:sp>
+        <p:nvSpPr>
+          <p:cNvPr id="3" name="Vertical Text Placeholder 2"/>
           <p:cNvSpPr>
             <a:spLocks noGrp="1"/>
           </p:cNvSpPr>
@@ -839,13 +843,13 @@
               <a:rPr lang="ru-RU" smtClean="0"/>
               <a:t>Пятый уровень</a:t>
             </a:r>
-            <a:endParaRPr lang="ru-RU"/>
-          </a:p>
-        </p:txBody>
-      </p:sp>
-      <p:sp>
-        <p:nvSpPr>
-          <p:cNvPr id="4" name="Дата 3"/>
+            <a:endParaRPr lang="en-US" dirty="0"/>
+          </a:p>
+        </p:txBody>
+      </p:sp>
+      <p:sp>
+        <p:nvSpPr>
+          <p:cNvPr id="4" name="Date Placeholder 3"/>
           <p:cNvSpPr>
             <a:spLocks noGrp="1"/>
           </p:cNvSpPr>
@@ -858,7 +862,7 @@
           <a:bodyPr/>
           <a:lstStyle/>
           <a:p>
-            <a:fld id="{5A671563-8D8C-4C6F-AC35-91821EB9D112}" type="datetimeFigureOut">
+            <a:fld id="{C2E9FD0A-B774-4DB6-BD66-5E2C8B0CEAFB}" type="datetime1">
               <a:rPr lang="ru-RU" smtClean="0"/>
               <a:t>пн 26.02.18</a:t>
             </a:fld>
@@ -868,7 +872,7 @@
       </p:sp>
       <p:sp>
         <p:nvSpPr>
-          <p:cNvPr id="5" name="Нижний колонтитул 4"/>
+          <p:cNvPr id="5" name="Footer Placeholder 4"/>
           <p:cNvSpPr>
             <a:spLocks noGrp="1"/>
           </p:cNvSpPr>
@@ -887,7 +891,7 @@
       </p:sp>
       <p:sp>
         <p:nvSpPr>
-          <p:cNvPr id="6" name="Номер слайда 5"/>
+          <p:cNvPr id="6" name="Slide Number Placeholder 5"/>
           <p:cNvSpPr>
             <a:spLocks noGrp="1"/>
           </p:cNvSpPr>
@@ -911,7 +915,7 @@
     </p:spTree>
     <p:extLst>
       <p:ext uri="{BB962C8B-B14F-4D97-AF65-F5344CB8AC3E}">
-        <p14:creationId xmlns:p14="http://schemas.microsoft.com/office/powerpoint/2010/main" val="2590389439"/>
+        <p14:creationId xmlns:p14="http://schemas.microsoft.com/office/powerpoint/2010/main" val="2428614602"/>
       </p:ext>
     </p:extLst>
   </p:cSld>
@@ -940,7 +944,7 @@
       </p:grpSpPr>
       <p:sp>
         <p:nvSpPr>
-          <p:cNvPr id="2" name="Вертикальный заголовок 1"/>
+          <p:cNvPr id="2" name="Vertical Title 1"/>
           <p:cNvSpPr>
             <a:spLocks noGrp="1"/>
           </p:cNvSpPr>
@@ -950,8 +954,8 @@
         </p:nvSpPr>
         <p:spPr>
           <a:xfrm>
-            <a:off x="8724900" y="365125"/>
-            <a:ext cx="2628900" cy="5811838"/>
+            <a:off x="6543675" y="365125"/>
+            <a:ext cx="1971675" cy="5811838"/>
           </a:xfrm>
         </p:spPr>
         <p:txBody>
@@ -962,13 +966,13 @@
               <a:rPr lang="ru-RU" smtClean="0"/>
               <a:t>Образец заголовка</a:t>
             </a:r>
-            <a:endParaRPr lang="ru-RU"/>
-          </a:p>
-        </p:txBody>
-      </p:sp>
-      <p:sp>
-        <p:nvSpPr>
-          <p:cNvPr id="3" name="Вертикальный текст 2"/>
+            <a:endParaRPr lang="en-US" dirty="0"/>
+          </a:p>
+        </p:txBody>
+      </p:sp>
+      <p:sp>
+        <p:nvSpPr>
+          <p:cNvPr id="3" name="Vertical Text Placeholder 2"/>
           <p:cNvSpPr>
             <a:spLocks noGrp="1"/>
           </p:cNvSpPr>
@@ -978,8 +982,8 @@
         </p:nvSpPr>
         <p:spPr>
           <a:xfrm>
-            <a:off x="838200" y="365125"/>
-            <a:ext cx="7734300" cy="5811838"/>
+            <a:off x="628650" y="365125"/>
+            <a:ext cx="5800725" cy="5811838"/>
           </a:xfrm>
         </p:spPr>
         <p:txBody>
@@ -1019,13 +1023,13 @@
               <a:rPr lang="ru-RU" smtClean="0"/>
               <a:t>Пятый уровень</a:t>
             </a:r>
-            <a:endParaRPr lang="ru-RU"/>
-          </a:p>
-        </p:txBody>
-      </p:sp>
-      <p:sp>
-        <p:nvSpPr>
-          <p:cNvPr id="4" name="Дата 3"/>
+            <a:endParaRPr lang="en-US" dirty="0"/>
+          </a:p>
+        </p:txBody>
+      </p:sp>
+      <p:sp>
+        <p:nvSpPr>
+          <p:cNvPr id="4" name="Date Placeholder 3"/>
           <p:cNvSpPr>
             <a:spLocks noGrp="1"/>
           </p:cNvSpPr>
@@ -1038,7 +1042,7 @@
           <a:bodyPr/>
           <a:lstStyle/>
           <a:p>
-            <a:fld id="{5A671563-8D8C-4C6F-AC35-91821EB9D112}" type="datetimeFigureOut">
+            <a:fld id="{42692E2E-A534-4EE3-81C1-30D16BFFC7DA}" type="datetime1">
               <a:rPr lang="ru-RU" smtClean="0"/>
               <a:t>пн 26.02.18</a:t>
             </a:fld>
@@ -1048,7 +1052,7 @@
       </p:sp>
       <p:sp>
         <p:nvSpPr>
-          <p:cNvPr id="5" name="Нижний колонтитул 4"/>
+          <p:cNvPr id="5" name="Footer Placeholder 4"/>
           <p:cNvSpPr>
             <a:spLocks noGrp="1"/>
           </p:cNvSpPr>
@@ -1067,7 +1071,7 @@
       </p:sp>
       <p:sp>
         <p:nvSpPr>
-          <p:cNvPr id="6" name="Номер слайда 5"/>
+          <p:cNvPr id="6" name="Slide Number Placeholder 5"/>
           <p:cNvSpPr>
             <a:spLocks noGrp="1"/>
           </p:cNvSpPr>
@@ -1091,7 +1095,7 @@
     </p:spTree>
     <p:extLst>
       <p:ext uri="{BB962C8B-B14F-4D97-AF65-F5344CB8AC3E}">
-        <p14:creationId xmlns:p14="http://schemas.microsoft.com/office/powerpoint/2010/main" val="3302548957"/>
+        <p14:creationId xmlns:p14="http://schemas.microsoft.com/office/powerpoint/2010/main" val="1433577569"/>
       </p:ext>
     </p:extLst>
   </p:cSld>
@@ -1120,7 +1124,7 @@
       </p:grpSpPr>
       <p:sp>
         <p:nvSpPr>
-          <p:cNvPr id="2" name="Заголовок 1"/>
+          <p:cNvPr id="2" name="Title 1"/>
           <p:cNvSpPr>
             <a:spLocks noGrp="1"/>
           </p:cNvSpPr>
@@ -1137,13 +1141,13 @@
               <a:rPr lang="ru-RU" smtClean="0"/>
               <a:t>Образец заголовка</a:t>
             </a:r>
-            <a:endParaRPr lang="ru-RU"/>
-          </a:p>
-        </p:txBody>
-      </p:sp>
-      <p:sp>
-        <p:nvSpPr>
-          <p:cNvPr id="3" name="Объект 2"/>
+            <a:endParaRPr lang="en-US" dirty="0"/>
+          </a:p>
+        </p:txBody>
+      </p:sp>
+      <p:sp>
+        <p:nvSpPr>
+          <p:cNvPr id="3" name="Content Placeholder 2"/>
           <p:cNvSpPr>
             <a:spLocks noGrp="1"/>
           </p:cNvSpPr>
@@ -1189,13 +1193,13 @@
               <a:rPr lang="ru-RU" smtClean="0"/>
               <a:t>Пятый уровень</a:t>
             </a:r>
-            <a:endParaRPr lang="ru-RU"/>
-          </a:p>
-        </p:txBody>
-      </p:sp>
-      <p:sp>
-        <p:nvSpPr>
-          <p:cNvPr id="4" name="Дата 3"/>
+            <a:endParaRPr lang="en-US" dirty="0"/>
+          </a:p>
+        </p:txBody>
+      </p:sp>
+      <p:sp>
+        <p:nvSpPr>
+          <p:cNvPr id="4" name="Date Placeholder 3"/>
           <p:cNvSpPr>
             <a:spLocks noGrp="1"/>
           </p:cNvSpPr>
@@ -1208,7 +1212,7 @@
           <a:bodyPr/>
           <a:lstStyle/>
           <a:p>
-            <a:fld id="{5A671563-8D8C-4C6F-AC35-91821EB9D112}" type="datetimeFigureOut">
+            <a:fld id="{79FA8468-677F-475B-AB94-7A5BF81F1920}" type="datetime1">
               <a:rPr lang="ru-RU" smtClean="0"/>
               <a:t>пн 26.02.18</a:t>
             </a:fld>
@@ -1218,7 +1222,7 @@
       </p:sp>
       <p:sp>
         <p:nvSpPr>
-          <p:cNvPr id="5" name="Нижний колонтитул 4"/>
+          <p:cNvPr id="5" name="Footer Placeholder 4"/>
           <p:cNvSpPr>
             <a:spLocks noGrp="1"/>
           </p:cNvSpPr>
@@ -1237,7 +1241,7 @@
       </p:sp>
       <p:sp>
         <p:nvSpPr>
-          <p:cNvPr id="6" name="Номер слайда 5"/>
+          <p:cNvPr id="6" name="Slide Number Placeholder 5"/>
           <p:cNvSpPr>
             <a:spLocks noGrp="1"/>
           </p:cNvSpPr>
@@ -1261,7 +1265,7 @@
     </p:spTree>
     <p:extLst>
       <p:ext uri="{BB962C8B-B14F-4D97-AF65-F5344CB8AC3E}">
-        <p14:creationId xmlns:p14="http://schemas.microsoft.com/office/powerpoint/2010/main" val="3471452743"/>
+        <p14:creationId xmlns:p14="http://schemas.microsoft.com/office/powerpoint/2010/main" val="2771839722"/>
       </p:ext>
     </p:extLst>
   </p:cSld>
@@ -1290,7 +1294,7 @@
       </p:grpSpPr>
       <p:sp>
         <p:nvSpPr>
-          <p:cNvPr id="2" name="Заголовок 1"/>
+          <p:cNvPr id="2" name="Title 1"/>
           <p:cNvSpPr>
             <a:spLocks noGrp="1"/>
           </p:cNvSpPr>
@@ -1300,8 +1304,8 @@
         </p:nvSpPr>
         <p:spPr>
           <a:xfrm>
-            <a:off x="831850" y="1709738"/>
-            <a:ext cx="10515600" cy="2852737"/>
+            <a:off x="623888" y="1709739"/>
+            <a:ext cx="7886700" cy="2852737"/>
           </a:xfrm>
         </p:spPr>
         <p:txBody>
@@ -1316,13 +1320,13 @@
               <a:rPr lang="ru-RU" smtClean="0"/>
               <a:t>Образец заголовка</a:t>
             </a:r>
-            <a:endParaRPr lang="ru-RU"/>
-          </a:p>
-        </p:txBody>
-      </p:sp>
-      <p:sp>
-        <p:nvSpPr>
-          <p:cNvPr id="3" name="Текст 2"/>
+            <a:endParaRPr lang="en-US" dirty="0"/>
+          </a:p>
+        </p:txBody>
+      </p:sp>
+      <p:sp>
+        <p:nvSpPr>
+          <p:cNvPr id="3" name="Text Placeholder 2"/>
           <p:cNvSpPr>
             <a:spLocks noGrp="1"/>
           </p:cNvSpPr>
@@ -1332,8 +1336,8 @@
         </p:nvSpPr>
         <p:spPr>
           <a:xfrm>
-            <a:off x="831850" y="4589463"/>
-            <a:ext cx="10515600" cy="1500187"/>
+            <a:off x="623888" y="4589464"/>
+            <a:ext cx="7886700" cy="1500187"/>
           </a:xfrm>
         </p:spPr>
         <p:txBody>
@@ -1343,9 +1347,7 @@
               <a:buNone/>
               <a:defRPr sz="2400">
                 <a:solidFill>
-                  <a:schemeClr val="tx1">
-                    <a:tint val="75000"/>
-                  </a:schemeClr>
+                  <a:schemeClr val="tx1"/>
                 </a:solidFill>
               </a:defRPr>
             </a:lvl1pPr>
@@ -1441,7 +1443,7 @@
       </p:sp>
       <p:sp>
         <p:nvSpPr>
-          <p:cNvPr id="4" name="Дата 3"/>
+          <p:cNvPr id="4" name="Date Placeholder 3"/>
           <p:cNvSpPr>
             <a:spLocks noGrp="1"/>
           </p:cNvSpPr>
@@ -1454,7 +1456,7 @@
           <a:bodyPr/>
           <a:lstStyle/>
           <a:p>
-            <a:fld id="{5A671563-8D8C-4C6F-AC35-91821EB9D112}" type="datetimeFigureOut">
+            <a:fld id="{81CB909C-D1EE-4200-9D23-AE51DE916FD8}" type="datetime1">
               <a:rPr lang="ru-RU" smtClean="0"/>
               <a:t>пн 26.02.18</a:t>
             </a:fld>
@@ -1464,7 +1466,7 @@
       </p:sp>
       <p:sp>
         <p:nvSpPr>
-          <p:cNvPr id="5" name="Нижний колонтитул 4"/>
+          <p:cNvPr id="5" name="Footer Placeholder 4"/>
           <p:cNvSpPr>
             <a:spLocks noGrp="1"/>
           </p:cNvSpPr>
@@ -1483,7 +1485,7 @@
       </p:sp>
       <p:sp>
         <p:nvSpPr>
-          <p:cNvPr id="6" name="Номер слайда 5"/>
+          <p:cNvPr id="6" name="Slide Number Placeholder 5"/>
           <p:cNvSpPr>
             <a:spLocks noGrp="1"/>
           </p:cNvSpPr>
@@ -1507,7 +1509,7 @@
     </p:spTree>
     <p:extLst>
       <p:ext uri="{BB962C8B-B14F-4D97-AF65-F5344CB8AC3E}">
-        <p14:creationId xmlns:p14="http://schemas.microsoft.com/office/powerpoint/2010/main" val="2170570765"/>
+        <p14:creationId xmlns:p14="http://schemas.microsoft.com/office/powerpoint/2010/main" val="2137105873"/>
       </p:ext>
     </p:extLst>
   </p:cSld>
@@ -1536,7 +1538,7 @@
       </p:grpSpPr>
       <p:sp>
         <p:nvSpPr>
-          <p:cNvPr id="2" name="Заголовок 1"/>
+          <p:cNvPr id="2" name="Title 1"/>
           <p:cNvSpPr>
             <a:spLocks noGrp="1"/>
           </p:cNvSpPr>
@@ -1553,13 +1555,13 @@
               <a:rPr lang="ru-RU" smtClean="0"/>
               <a:t>Образец заголовка</a:t>
             </a:r>
-            <a:endParaRPr lang="ru-RU"/>
-          </a:p>
-        </p:txBody>
-      </p:sp>
-      <p:sp>
-        <p:nvSpPr>
-          <p:cNvPr id="3" name="Объект 2"/>
+            <a:endParaRPr lang="en-US" dirty="0"/>
+          </a:p>
+        </p:txBody>
+      </p:sp>
+      <p:sp>
+        <p:nvSpPr>
+          <p:cNvPr id="3" name="Content Placeholder 2"/>
           <p:cNvSpPr>
             <a:spLocks noGrp="1"/>
           </p:cNvSpPr>
@@ -1569,8 +1571,8 @@
         </p:nvSpPr>
         <p:spPr>
           <a:xfrm>
-            <a:off x="838200" y="1825625"/>
-            <a:ext cx="5181600" cy="4351338"/>
+            <a:off x="628650" y="1825625"/>
+            <a:ext cx="3886200" cy="4351338"/>
           </a:xfrm>
         </p:spPr>
         <p:txBody>
@@ -1610,13 +1612,13 @@
               <a:rPr lang="ru-RU" smtClean="0"/>
               <a:t>Пятый уровень</a:t>
             </a:r>
-            <a:endParaRPr lang="ru-RU"/>
-          </a:p>
-        </p:txBody>
-      </p:sp>
-      <p:sp>
-        <p:nvSpPr>
-          <p:cNvPr id="4" name="Объект 3"/>
+            <a:endParaRPr lang="en-US" dirty="0"/>
+          </a:p>
+        </p:txBody>
+      </p:sp>
+      <p:sp>
+        <p:nvSpPr>
+          <p:cNvPr id="4" name="Content Placeholder 3"/>
           <p:cNvSpPr>
             <a:spLocks noGrp="1"/>
           </p:cNvSpPr>
@@ -1626,8 +1628,8 @@
         </p:nvSpPr>
         <p:spPr>
           <a:xfrm>
-            <a:off x="6172200" y="1825625"/>
-            <a:ext cx="5181600" cy="4351338"/>
+            <a:off x="4629150" y="1825625"/>
+            <a:ext cx="3886200" cy="4351338"/>
           </a:xfrm>
         </p:spPr>
         <p:txBody>
@@ -1667,13 +1669,13 @@
               <a:rPr lang="ru-RU" smtClean="0"/>
               <a:t>Пятый уровень</a:t>
             </a:r>
-            <a:endParaRPr lang="ru-RU"/>
-          </a:p>
-        </p:txBody>
-      </p:sp>
-      <p:sp>
-        <p:nvSpPr>
-          <p:cNvPr id="5" name="Дата 4"/>
+            <a:endParaRPr lang="en-US" dirty="0"/>
+          </a:p>
+        </p:txBody>
+      </p:sp>
+      <p:sp>
+        <p:nvSpPr>
+          <p:cNvPr id="5" name="Date Placeholder 4"/>
           <p:cNvSpPr>
             <a:spLocks noGrp="1"/>
           </p:cNvSpPr>
@@ -1686,7 +1688,7 @@
           <a:bodyPr/>
           <a:lstStyle/>
           <a:p>
-            <a:fld id="{5A671563-8D8C-4C6F-AC35-91821EB9D112}" type="datetimeFigureOut">
+            <a:fld id="{A617BA7F-1822-44B6-A71F-A06CED7C51CA}" type="datetime1">
               <a:rPr lang="ru-RU" smtClean="0"/>
               <a:t>пн 26.02.18</a:t>
             </a:fld>
@@ -1696,7 +1698,7 @@
       </p:sp>
       <p:sp>
         <p:nvSpPr>
-          <p:cNvPr id="6" name="Нижний колонтитул 5"/>
+          <p:cNvPr id="6" name="Footer Placeholder 5"/>
           <p:cNvSpPr>
             <a:spLocks noGrp="1"/>
           </p:cNvSpPr>
@@ -1715,7 +1717,7 @@
       </p:sp>
       <p:sp>
         <p:nvSpPr>
-          <p:cNvPr id="7" name="Номер слайда 6"/>
+          <p:cNvPr id="7" name="Slide Number Placeholder 6"/>
           <p:cNvSpPr>
             <a:spLocks noGrp="1"/>
           </p:cNvSpPr>
@@ -1739,7 +1741,7 @@
     </p:spTree>
     <p:extLst>
       <p:ext uri="{BB962C8B-B14F-4D97-AF65-F5344CB8AC3E}">
-        <p14:creationId xmlns:p14="http://schemas.microsoft.com/office/powerpoint/2010/main" val="2204900688"/>
+        <p14:creationId xmlns:p14="http://schemas.microsoft.com/office/powerpoint/2010/main" val="3813073493"/>
       </p:ext>
     </p:extLst>
   </p:cSld>
@@ -1768,7 +1770,7 @@
       </p:grpSpPr>
       <p:sp>
         <p:nvSpPr>
-          <p:cNvPr id="2" name="Заголовок 1"/>
+          <p:cNvPr id="2" name="Title 1"/>
           <p:cNvSpPr>
             <a:spLocks noGrp="1"/>
           </p:cNvSpPr>
@@ -1778,8 +1780,8 @@
         </p:nvSpPr>
         <p:spPr>
           <a:xfrm>
-            <a:off x="839788" y="365125"/>
-            <a:ext cx="10515600" cy="1325563"/>
+            <a:off x="629841" y="365126"/>
+            <a:ext cx="7886700" cy="1325563"/>
           </a:xfrm>
         </p:spPr>
         <p:txBody>
@@ -1790,13 +1792,13 @@
               <a:rPr lang="ru-RU" smtClean="0"/>
               <a:t>Образец заголовка</a:t>
             </a:r>
-            <a:endParaRPr lang="ru-RU"/>
-          </a:p>
-        </p:txBody>
-      </p:sp>
-      <p:sp>
-        <p:nvSpPr>
-          <p:cNvPr id="3" name="Текст 2"/>
+            <a:endParaRPr lang="en-US" dirty="0"/>
+          </a:p>
+        </p:txBody>
+      </p:sp>
+      <p:sp>
+        <p:nvSpPr>
+          <p:cNvPr id="3" name="Text Placeholder 2"/>
           <p:cNvSpPr>
             <a:spLocks noGrp="1"/>
           </p:cNvSpPr>
@@ -1806,8 +1808,8 @@
         </p:nvSpPr>
         <p:spPr>
           <a:xfrm>
-            <a:off x="839788" y="1681163"/>
-            <a:ext cx="5157787" cy="823912"/>
+            <a:off x="629842" y="1681163"/>
+            <a:ext cx="3868340" cy="823912"/>
           </a:xfrm>
         </p:spPr>
         <p:txBody>
@@ -1861,7 +1863,7 @@
       </p:sp>
       <p:sp>
         <p:nvSpPr>
-          <p:cNvPr id="4" name="Объект 3"/>
+          <p:cNvPr id="4" name="Content Placeholder 3"/>
           <p:cNvSpPr>
             <a:spLocks noGrp="1"/>
           </p:cNvSpPr>
@@ -1871,8 +1873,8 @@
         </p:nvSpPr>
         <p:spPr>
           <a:xfrm>
-            <a:off x="839788" y="2505075"/>
-            <a:ext cx="5157787" cy="3684588"/>
+            <a:off x="629842" y="2505075"/>
+            <a:ext cx="3868340" cy="3684588"/>
           </a:xfrm>
         </p:spPr>
         <p:txBody>
@@ -1912,13 +1914,13 @@
               <a:rPr lang="ru-RU" smtClean="0"/>
               <a:t>Пятый уровень</a:t>
             </a:r>
-            <a:endParaRPr lang="ru-RU"/>
-          </a:p>
-        </p:txBody>
-      </p:sp>
-      <p:sp>
-        <p:nvSpPr>
-          <p:cNvPr id="5" name="Текст 4"/>
+            <a:endParaRPr lang="en-US" dirty="0"/>
+          </a:p>
+        </p:txBody>
+      </p:sp>
+      <p:sp>
+        <p:nvSpPr>
+          <p:cNvPr id="5" name="Text Placeholder 4"/>
           <p:cNvSpPr>
             <a:spLocks noGrp="1"/>
           </p:cNvSpPr>
@@ -1928,8 +1930,8 @@
         </p:nvSpPr>
         <p:spPr>
           <a:xfrm>
-            <a:off x="6172200" y="1681163"/>
-            <a:ext cx="5183188" cy="823912"/>
+            <a:off x="4629150" y="1681163"/>
+            <a:ext cx="3887391" cy="823912"/>
           </a:xfrm>
         </p:spPr>
         <p:txBody>
@@ -1983,7 +1985,7 @@
       </p:sp>
       <p:sp>
         <p:nvSpPr>
-          <p:cNvPr id="6" name="Объект 5"/>
+          <p:cNvPr id="6" name="Content Placeholder 5"/>
           <p:cNvSpPr>
             <a:spLocks noGrp="1"/>
           </p:cNvSpPr>
@@ -1993,8 +1995,8 @@
         </p:nvSpPr>
         <p:spPr>
           <a:xfrm>
-            <a:off x="6172200" y="2505075"/>
-            <a:ext cx="5183188" cy="3684588"/>
+            <a:off x="4629150" y="2505075"/>
+            <a:ext cx="3887391" cy="3684588"/>
           </a:xfrm>
         </p:spPr>
         <p:txBody>
@@ -2034,13 +2036,13 @@
               <a:rPr lang="ru-RU" smtClean="0"/>
               <a:t>Пятый уровень</a:t>
             </a:r>
-            <a:endParaRPr lang="ru-RU"/>
-          </a:p>
-        </p:txBody>
-      </p:sp>
-      <p:sp>
-        <p:nvSpPr>
-          <p:cNvPr id="7" name="Дата 6"/>
+            <a:endParaRPr lang="en-US" dirty="0"/>
+          </a:p>
+        </p:txBody>
+      </p:sp>
+      <p:sp>
+        <p:nvSpPr>
+          <p:cNvPr id="7" name="Date Placeholder 6"/>
           <p:cNvSpPr>
             <a:spLocks noGrp="1"/>
           </p:cNvSpPr>
@@ -2053,7 +2055,7 @@
           <a:bodyPr/>
           <a:lstStyle/>
           <a:p>
-            <a:fld id="{5A671563-8D8C-4C6F-AC35-91821EB9D112}" type="datetimeFigureOut">
+            <a:fld id="{FB9F1B16-B7BC-4BFF-A81B-7CFFC1BF36EE}" type="datetime1">
               <a:rPr lang="ru-RU" smtClean="0"/>
               <a:t>пн 26.02.18</a:t>
             </a:fld>
@@ -2063,7 +2065,7 @@
       </p:sp>
       <p:sp>
         <p:nvSpPr>
-          <p:cNvPr id="8" name="Нижний колонтитул 7"/>
+          <p:cNvPr id="8" name="Footer Placeholder 7"/>
           <p:cNvSpPr>
             <a:spLocks noGrp="1"/>
           </p:cNvSpPr>
@@ -2082,7 +2084,7 @@
       </p:sp>
       <p:sp>
         <p:nvSpPr>
-          <p:cNvPr id="9" name="Номер слайда 8"/>
+          <p:cNvPr id="9" name="Slide Number Placeholder 8"/>
           <p:cNvSpPr>
             <a:spLocks noGrp="1"/>
           </p:cNvSpPr>
@@ -2106,7 +2108,7 @@
     </p:spTree>
     <p:extLst>
       <p:ext uri="{BB962C8B-B14F-4D97-AF65-F5344CB8AC3E}">
-        <p14:creationId xmlns:p14="http://schemas.microsoft.com/office/powerpoint/2010/main" val="2516315909"/>
+        <p14:creationId xmlns:p14="http://schemas.microsoft.com/office/powerpoint/2010/main" val="957744948"/>
       </p:ext>
     </p:extLst>
   </p:cSld>
@@ -2135,7 +2137,7 @@
       </p:grpSpPr>
       <p:sp>
         <p:nvSpPr>
-          <p:cNvPr id="2" name="Заголовок 1"/>
+          <p:cNvPr id="2" name="Title 1"/>
           <p:cNvSpPr>
             <a:spLocks noGrp="1"/>
           </p:cNvSpPr>
@@ -2152,13 +2154,13 @@
               <a:rPr lang="ru-RU" smtClean="0"/>
               <a:t>Образец заголовка</a:t>
             </a:r>
-            <a:endParaRPr lang="ru-RU"/>
-          </a:p>
-        </p:txBody>
-      </p:sp>
-      <p:sp>
-        <p:nvSpPr>
-          <p:cNvPr id="3" name="Дата 2"/>
+            <a:endParaRPr lang="en-US" dirty="0"/>
+          </a:p>
+        </p:txBody>
+      </p:sp>
+      <p:sp>
+        <p:nvSpPr>
+          <p:cNvPr id="3" name="Date Placeholder 2"/>
           <p:cNvSpPr>
             <a:spLocks noGrp="1"/>
           </p:cNvSpPr>
@@ -2171,7 +2173,7 @@
           <a:bodyPr/>
           <a:lstStyle/>
           <a:p>
-            <a:fld id="{5A671563-8D8C-4C6F-AC35-91821EB9D112}" type="datetimeFigureOut">
+            <a:fld id="{632307CC-8142-4F34-8221-84AF9E169435}" type="datetime1">
               <a:rPr lang="ru-RU" smtClean="0"/>
               <a:t>пн 26.02.18</a:t>
             </a:fld>
@@ -2181,7 +2183,7 @@
       </p:sp>
       <p:sp>
         <p:nvSpPr>
-          <p:cNvPr id="4" name="Нижний колонтитул 3"/>
+          <p:cNvPr id="4" name="Footer Placeholder 3"/>
           <p:cNvSpPr>
             <a:spLocks noGrp="1"/>
           </p:cNvSpPr>
@@ -2200,7 +2202,7 @@
       </p:sp>
       <p:sp>
         <p:nvSpPr>
-          <p:cNvPr id="5" name="Номер слайда 4"/>
+          <p:cNvPr id="5" name="Slide Number Placeholder 4"/>
           <p:cNvSpPr>
             <a:spLocks noGrp="1"/>
           </p:cNvSpPr>
@@ -2224,7 +2226,7 @@
     </p:spTree>
     <p:extLst>
       <p:ext uri="{BB962C8B-B14F-4D97-AF65-F5344CB8AC3E}">
-        <p14:creationId xmlns:p14="http://schemas.microsoft.com/office/powerpoint/2010/main" val="2086122776"/>
+        <p14:creationId xmlns:p14="http://schemas.microsoft.com/office/powerpoint/2010/main" val="3444184117"/>
       </p:ext>
     </p:extLst>
   </p:cSld>
@@ -2253,7 +2255,7 @@
       </p:grpSpPr>
       <p:sp>
         <p:nvSpPr>
-          <p:cNvPr id="2" name="Дата 1"/>
+          <p:cNvPr id="2" name="Date Placeholder 1"/>
           <p:cNvSpPr>
             <a:spLocks noGrp="1"/>
           </p:cNvSpPr>
@@ -2266,7 +2268,7 @@
           <a:bodyPr/>
           <a:lstStyle/>
           <a:p>
-            <a:fld id="{5A671563-8D8C-4C6F-AC35-91821EB9D112}" type="datetimeFigureOut">
+            <a:fld id="{5E7CF677-C3AA-42B2-ABAB-6E36B92E5CDC}" type="datetime1">
               <a:rPr lang="ru-RU" smtClean="0"/>
               <a:t>пн 26.02.18</a:t>
             </a:fld>
@@ -2276,7 +2278,7 @@
       </p:sp>
       <p:sp>
         <p:nvSpPr>
-          <p:cNvPr id="3" name="Нижний колонтитул 2"/>
+          <p:cNvPr id="3" name="Footer Placeholder 2"/>
           <p:cNvSpPr>
             <a:spLocks noGrp="1"/>
           </p:cNvSpPr>
@@ -2295,7 +2297,7 @@
       </p:sp>
       <p:sp>
         <p:nvSpPr>
-          <p:cNvPr id="4" name="Номер слайда 3"/>
+          <p:cNvPr id="4" name="Slide Number Placeholder 3"/>
           <p:cNvSpPr>
             <a:spLocks noGrp="1"/>
           </p:cNvSpPr>
@@ -2319,7 +2321,7 @@
     </p:spTree>
     <p:extLst>
       <p:ext uri="{BB962C8B-B14F-4D97-AF65-F5344CB8AC3E}">
-        <p14:creationId xmlns:p14="http://schemas.microsoft.com/office/powerpoint/2010/main" val="901161834"/>
+        <p14:creationId xmlns:p14="http://schemas.microsoft.com/office/powerpoint/2010/main" val="1359787782"/>
       </p:ext>
     </p:extLst>
   </p:cSld>
@@ -2348,7 +2350,7 @@
       </p:grpSpPr>
       <p:sp>
         <p:nvSpPr>
-          <p:cNvPr id="2" name="Заголовок 1"/>
+          <p:cNvPr id="2" name="Title 1"/>
           <p:cNvSpPr>
             <a:spLocks noGrp="1"/>
           </p:cNvSpPr>
@@ -2358,8 +2360,8 @@
         </p:nvSpPr>
         <p:spPr>
           <a:xfrm>
-            <a:off x="839788" y="457200"/>
-            <a:ext cx="3932237" cy="1600200"/>
+            <a:off x="629841" y="457200"/>
+            <a:ext cx="2949178" cy="1600200"/>
           </a:xfrm>
         </p:spPr>
         <p:txBody>
@@ -2374,13 +2376,13 @@
               <a:rPr lang="ru-RU" smtClean="0"/>
               <a:t>Образец заголовка</a:t>
             </a:r>
-            <a:endParaRPr lang="ru-RU"/>
-          </a:p>
-        </p:txBody>
-      </p:sp>
-      <p:sp>
-        <p:nvSpPr>
-          <p:cNvPr id="3" name="Объект 2"/>
+            <a:endParaRPr lang="en-US" dirty="0"/>
+          </a:p>
+        </p:txBody>
+      </p:sp>
+      <p:sp>
+        <p:nvSpPr>
+          <p:cNvPr id="3" name="Content Placeholder 2"/>
           <p:cNvSpPr>
             <a:spLocks noGrp="1"/>
           </p:cNvSpPr>
@@ -2390,8 +2392,8 @@
         </p:nvSpPr>
         <p:spPr>
           <a:xfrm>
-            <a:off x="5183188" y="987425"/>
-            <a:ext cx="6172200" cy="4873625"/>
+            <a:off x="3887391" y="987426"/>
+            <a:ext cx="4629150" cy="4873625"/>
           </a:xfrm>
         </p:spPr>
         <p:txBody>
@@ -2459,13 +2461,13 @@
               <a:rPr lang="ru-RU" smtClean="0"/>
               <a:t>Пятый уровень</a:t>
             </a:r>
-            <a:endParaRPr lang="ru-RU"/>
-          </a:p>
-        </p:txBody>
-      </p:sp>
-      <p:sp>
-        <p:nvSpPr>
-          <p:cNvPr id="4" name="Текст 3"/>
+            <a:endParaRPr lang="en-US" dirty="0"/>
+          </a:p>
+        </p:txBody>
+      </p:sp>
+      <p:sp>
+        <p:nvSpPr>
+          <p:cNvPr id="4" name="Text Placeholder 3"/>
           <p:cNvSpPr>
             <a:spLocks noGrp="1"/>
           </p:cNvSpPr>
@@ -2475,8 +2477,8 @@
         </p:nvSpPr>
         <p:spPr>
           <a:xfrm>
-            <a:off x="839788" y="2057400"/>
-            <a:ext cx="3932237" cy="3811588"/>
+            <a:off x="629841" y="2057400"/>
+            <a:ext cx="2949178" cy="3811588"/>
           </a:xfrm>
         </p:spPr>
         <p:txBody>
@@ -2530,7 +2532,7 @@
       </p:sp>
       <p:sp>
         <p:nvSpPr>
-          <p:cNvPr id="5" name="Дата 4"/>
+          <p:cNvPr id="5" name="Date Placeholder 4"/>
           <p:cNvSpPr>
             <a:spLocks noGrp="1"/>
           </p:cNvSpPr>
@@ -2543,7 +2545,7 @@
           <a:bodyPr/>
           <a:lstStyle/>
           <a:p>
-            <a:fld id="{5A671563-8D8C-4C6F-AC35-91821EB9D112}" type="datetimeFigureOut">
+            <a:fld id="{8AD1C64F-81B3-47DC-BACD-AB7AD7164883}" type="datetime1">
               <a:rPr lang="ru-RU" smtClean="0"/>
               <a:t>пн 26.02.18</a:t>
             </a:fld>
@@ -2553,7 +2555,7 @@
       </p:sp>
       <p:sp>
         <p:nvSpPr>
-          <p:cNvPr id="6" name="Нижний колонтитул 5"/>
+          <p:cNvPr id="6" name="Footer Placeholder 5"/>
           <p:cNvSpPr>
             <a:spLocks noGrp="1"/>
           </p:cNvSpPr>
@@ -2572,7 +2574,7 @@
       </p:sp>
       <p:sp>
         <p:nvSpPr>
-          <p:cNvPr id="7" name="Номер слайда 6"/>
+          <p:cNvPr id="7" name="Slide Number Placeholder 6"/>
           <p:cNvSpPr>
             <a:spLocks noGrp="1"/>
           </p:cNvSpPr>
@@ -2596,7 +2598,7 @@
     </p:spTree>
     <p:extLst>
       <p:ext uri="{BB962C8B-B14F-4D97-AF65-F5344CB8AC3E}">
-        <p14:creationId xmlns:p14="http://schemas.microsoft.com/office/powerpoint/2010/main" val="2972949521"/>
+        <p14:creationId xmlns:p14="http://schemas.microsoft.com/office/powerpoint/2010/main" val="4141406037"/>
       </p:ext>
     </p:extLst>
   </p:cSld>
@@ -2625,7 +2627,7 @@
       </p:grpSpPr>
       <p:sp>
         <p:nvSpPr>
-          <p:cNvPr id="2" name="Заголовок 1"/>
+          <p:cNvPr id="2" name="Title 1"/>
           <p:cNvSpPr>
             <a:spLocks noGrp="1"/>
           </p:cNvSpPr>
@@ -2635,8 +2637,8 @@
         </p:nvSpPr>
         <p:spPr>
           <a:xfrm>
-            <a:off x="839788" y="457200"/>
-            <a:ext cx="3932237" cy="1600200"/>
+            <a:off x="629841" y="457200"/>
+            <a:ext cx="2949178" cy="1600200"/>
           </a:xfrm>
         </p:spPr>
         <p:txBody>
@@ -2651,15 +2653,15 @@
               <a:rPr lang="ru-RU" smtClean="0"/>
               <a:t>Образец заголовка</a:t>
             </a:r>
-            <a:endParaRPr lang="ru-RU"/>
-          </a:p>
-        </p:txBody>
-      </p:sp>
-      <p:sp>
-        <p:nvSpPr>
-          <p:cNvPr id="3" name="Рисунок 2"/>
-          <p:cNvSpPr>
-            <a:spLocks noGrp="1"/>
+            <a:endParaRPr lang="en-US" dirty="0"/>
+          </a:p>
+        </p:txBody>
+      </p:sp>
+      <p:sp>
+        <p:nvSpPr>
+          <p:cNvPr id="3" name="Picture Placeholder 2"/>
+          <p:cNvSpPr>
+            <a:spLocks noGrp="1" noChangeAspect="1"/>
           </p:cNvSpPr>
           <p:nvPr>
             <p:ph type="pic" idx="1"/>
@@ -2667,12 +2669,12 @@
         </p:nvSpPr>
         <p:spPr>
           <a:xfrm>
-            <a:off x="5183188" y="987425"/>
-            <a:ext cx="6172200" cy="4873625"/>
+            <a:off x="3887391" y="987426"/>
+            <a:ext cx="4629150" cy="4873625"/>
           </a:xfrm>
         </p:spPr>
         <p:txBody>
-          <a:bodyPr/>
+          <a:bodyPr anchor="t"/>
           <a:lstStyle>
             <a:lvl1pPr marL="0" indent="0">
               <a:buNone/>
@@ -2712,13 +2714,17 @@
             </a:lvl9pPr>
           </a:lstStyle>
           <a:p>
-            <a:endParaRPr lang="ru-RU"/>
-          </a:p>
-        </p:txBody>
-      </p:sp>
-      <p:sp>
-        <p:nvSpPr>
-          <p:cNvPr id="4" name="Текст 3"/>
+            <a:r>
+              <a:rPr lang="ru-RU" smtClean="0"/>
+              <a:t>Вставка рисунка</a:t>
+            </a:r>
+            <a:endParaRPr lang="en-US" dirty="0"/>
+          </a:p>
+        </p:txBody>
+      </p:sp>
+      <p:sp>
+        <p:nvSpPr>
+          <p:cNvPr id="4" name="Text Placeholder 3"/>
           <p:cNvSpPr>
             <a:spLocks noGrp="1"/>
           </p:cNvSpPr>
@@ -2728,8 +2734,8 @@
         </p:nvSpPr>
         <p:spPr>
           <a:xfrm>
-            <a:off x="839788" y="2057400"/>
-            <a:ext cx="3932237" cy="3811588"/>
+            <a:off x="629841" y="2057400"/>
+            <a:ext cx="2949178" cy="3811588"/>
           </a:xfrm>
         </p:spPr>
         <p:txBody>
@@ -2783,7 +2789,7 @@
       </p:sp>
       <p:sp>
         <p:nvSpPr>
-          <p:cNvPr id="5" name="Дата 4"/>
+          <p:cNvPr id="5" name="Date Placeholder 4"/>
           <p:cNvSpPr>
             <a:spLocks noGrp="1"/>
           </p:cNvSpPr>
@@ -2796,7 +2802,7 @@
           <a:bodyPr/>
           <a:lstStyle/>
           <a:p>
-            <a:fld id="{5A671563-8D8C-4C6F-AC35-91821EB9D112}" type="datetimeFigureOut">
+            <a:fld id="{67181998-7396-42DD-B121-6FC08BB28732}" type="datetime1">
               <a:rPr lang="ru-RU" smtClean="0"/>
               <a:t>пн 26.02.18</a:t>
             </a:fld>
@@ -2806,7 +2812,7 @@
       </p:sp>
       <p:sp>
         <p:nvSpPr>
-          <p:cNvPr id="6" name="Нижний колонтитул 5"/>
+          <p:cNvPr id="6" name="Footer Placeholder 5"/>
           <p:cNvSpPr>
             <a:spLocks noGrp="1"/>
           </p:cNvSpPr>
@@ -2825,7 +2831,7 @@
       </p:sp>
       <p:sp>
         <p:nvSpPr>
-          <p:cNvPr id="7" name="Номер слайда 6"/>
+          <p:cNvPr id="7" name="Slide Number Placeholder 6"/>
           <p:cNvSpPr>
             <a:spLocks noGrp="1"/>
           </p:cNvSpPr>
@@ -2849,7 +2855,7 @@
     </p:spTree>
     <p:extLst>
       <p:ext uri="{BB962C8B-B14F-4D97-AF65-F5344CB8AC3E}">
-        <p14:creationId xmlns:p14="http://schemas.microsoft.com/office/powerpoint/2010/main" val="1152115469"/>
+        <p14:creationId xmlns:p14="http://schemas.microsoft.com/office/powerpoint/2010/main" val="2710700227"/>
       </p:ext>
     </p:extLst>
   </p:cSld>
@@ -2883,7 +2889,7 @@
       </p:grpSpPr>
       <p:sp>
         <p:nvSpPr>
-          <p:cNvPr id="2" name="Заголовок 1"/>
+          <p:cNvPr id="2" name="Title Placeholder 1"/>
           <p:cNvSpPr>
             <a:spLocks noGrp="1"/>
           </p:cNvSpPr>
@@ -2893,8 +2899,8 @@
         </p:nvSpPr>
         <p:spPr>
           <a:xfrm>
-            <a:off x="838200" y="365125"/>
-            <a:ext cx="10515600" cy="1325563"/>
+            <a:off x="628650" y="365126"/>
+            <a:ext cx="7886700" cy="1325563"/>
           </a:xfrm>
           <a:prstGeom prst="rect">
             <a:avLst/>
@@ -2910,13 +2916,13 @@
               <a:rPr lang="ru-RU" smtClean="0"/>
               <a:t>Образец заголовка</a:t>
             </a:r>
-            <a:endParaRPr lang="ru-RU"/>
-          </a:p>
-        </p:txBody>
-      </p:sp>
-      <p:sp>
-        <p:nvSpPr>
-          <p:cNvPr id="3" name="Текст 2"/>
+            <a:endParaRPr lang="en-US" dirty="0"/>
+          </a:p>
+        </p:txBody>
+      </p:sp>
+      <p:sp>
+        <p:nvSpPr>
+          <p:cNvPr id="3" name="Text Placeholder 2"/>
           <p:cNvSpPr>
             <a:spLocks noGrp="1"/>
           </p:cNvSpPr>
@@ -2926,8 +2932,8 @@
         </p:nvSpPr>
         <p:spPr>
           <a:xfrm>
-            <a:off x="838200" y="1825625"/>
-            <a:ext cx="10515600" cy="4351338"/>
+            <a:off x="628650" y="1825625"/>
+            <a:ext cx="7886700" cy="4351338"/>
           </a:xfrm>
           <a:prstGeom prst="rect">
             <a:avLst/>
@@ -2972,13 +2978,13 @@
               <a:rPr lang="ru-RU" smtClean="0"/>
               <a:t>Пятый уровень</a:t>
             </a:r>
-            <a:endParaRPr lang="ru-RU"/>
-          </a:p>
-        </p:txBody>
-      </p:sp>
-      <p:sp>
-        <p:nvSpPr>
-          <p:cNvPr id="4" name="Дата 3"/>
+            <a:endParaRPr lang="en-US" dirty="0"/>
+          </a:p>
+        </p:txBody>
+      </p:sp>
+      <p:sp>
+        <p:nvSpPr>
+          <p:cNvPr id="4" name="Date Placeholder 3"/>
           <p:cNvSpPr>
             <a:spLocks noGrp="1"/>
           </p:cNvSpPr>
@@ -2988,8 +2994,8 @@
         </p:nvSpPr>
         <p:spPr>
           <a:xfrm>
-            <a:off x="838200" y="6356350"/>
-            <a:ext cx="2743200" cy="365125"/>
+            <a:off x="628650" y="6356351"/>
+            <a:ext cx="2057400" cy="365125"/>
           </a:xfrm>
           <a:prstGeom prst="rect">
             <a:avLst/>
@@ -3009,7 +3015,7 @@
             </a:lvl1pPr>
           </a:lstStyle>
           <a:p>
-            <a:fld id="{5A671563-8D8C-4C6F-AC35-91821EB9D112}" type="datetimeFigureOut">
+            <a:fld id="{2179E8A6-47E5-4FE1-AFAC-AA9A387D3BE2}" type="datetime1">
               <a:rPr lang="ru-RU" smtClean="0"/>
               <a:t>пн 26.02.18</a:t>
             </a:fld>
@@ -3019,7 +3025,7 @@
       </p:sp>
       <p:sp>
         <p:nvSpPr>
-          <p:cNvPr id="5" name="Нижний колонтитул 4"/>
+          <p:cNvPr id="5" name="Footer Placeholder 4"/>
           <p:cNvSpPr>
             <a:spLocks noGrp="1"/>
           </p:cNvSpPr>
@@ -3029,8 +3035,8 @@
         </p:nvSpPr>
         <p:spPr>
           <a:xfrm>
-            <a:off x="4038600" y="6356350"/>
-            <a:ext cx="4114800" cy="365125"/>
+            <a:off x="3028950" y="6356351"/>
+            <a:ext cx="3086100" cy="365125"/>
           </a:xfrm>
           <a:prstGeom prst="rect">
             <a:avLst/>
@@ -3056,7 +3062,7 @@
       </p:sp>
       <p:sp>
         <p:nvSpPr>
-          <p:cNvPr id="6" name="Номер слайда 5"/>
+          <p:cNvPr id="6" name="Slide Number Placeholder 5"/>
           <p:cNvSpPr>
             <a:spLocks noGrp="1"/>
           </p:cNvSpPr>
@@ -3066,8 +3072,8 @@
         </p:nvSpPr>
         <p:spPr>
           <a:xfrm>
-            <a:off x="8610600" y="6356350"/>
-            <a:ext cx="2743200" cy="365125"/>
+            <a:off x="6457950" y="6356351"/>
+            <a:ext cx="2057400" cy="365125"/>
           </a:xfrm>
           <a:prstGeom prst="rect">
             <a:avLst/>
@@ -3098,24 +3104,25 @@
     </p:spTree>
     <p:extLst>
       <p:ext uri="{BB962C8B-B14F-4D97-AF65-F5344CB8AC3E}">
-        <p14:creationId xmlns:p14="http://schemas.microsoft.com/office/powerpoint/2010/main" val="4283178838"/>
+        <p14:creationId xmlns:p14="http://schemas.microsoft.com/office/powerpoint/2010/main" val="1650068525"/>
       </p:ext>
     </p:extLst>
   </p:cSld>
   <p:clrMap bg1="lt1" tx1="dk1" bg2="lt2" tx2="dk2" accent1="accent1" accent2="accent2" accent3="accent3" accent4="accent4" accent5="accent5" accent6="accent6" hlink="hlink" folHlink="folHlink"/>
   <p:sldLayoutIdLst>
-    <p:sldLayoutId id="2147483649" r:id="rId1"/>
-    <p:sldLayoutId id="2147483650" r:id="rId2"/>
-    <p:sldLayoutId id="2147483651" r:id="rId3"/>
-    <p:sldLayoutId id="2147483652" r:id="rId4"/>
-    <p:sldLayoutId id="2147483653" r:id="rId5"/>
-    <p:sldLayoutId id="2147483654" r:id="rId6"/>
-    <p:sldLayoutId id="2147483655" r:id="rId7"/>
-    <p:sldLayoutId id="2147483656" r:id="rId8"/>
-    <p:sldLayoutId id="2147483657" r:id="rId9"/>
-    <p:sldLayoutId id="2147483658" r:id="rId10"/>
-    <p:sldLayoutId id="2147483659" r:id="rId11"/>
+    <p:sldLayoutId id="2147483661" r:id="rId1"/>
+    <p:sldLayoutId id="2147483662" r:id="rId2"/>
+    <p:sldLayoutId id="2147483663" r:id="rId3"/>
+    <p:sldLayoutId id="2147483664" r:id="rId4"/>
+    <p:sldLayoutId id="2147483665" r:id="rId5"/>
+    <p:sldLayoutId id="2147483666" r:id="rId6"/>
+    <p:sldLayoutId id="2147483667" r:id="rId7"/>
+    <p:sldLayoutId id="2147483668" r:id="rId8"/>
+    <p:sldLayoutId id="2147483669" r:id="rId9"/>
+    <p:sldLayoutId id="2147483670" r:id="rId10"/>
+    <p:sldLayoutId id="2147483671" r:id="rId11"/>
   </p:sldLayoutIdLst>
+  <p:hf hdr="0" ftr="0" dt="0"/>
   <p:txStyles>
     <p:titleStyle>
       <a:lvl1pPr algn="l" defTabSz="914400" rtl="0" eaLnBrk="1" latinLnBrk="0" hangingPunct="1">
@@ -3302,7 +3309,7 @@
     </p:bodyStyle>
     <p:otherStyle>
       <a:defPPr>
-        <a:defRPr lang="ru-RU"/>
+        <a:defRPr lang="en-US"/>
       </a:defPPr>
       <a:lvl1pPr marL="0" algn="l" defTabSz="914400" rtl="0" eaLnBrk="1" latinLnBrk="0" hangingPunct="1">
         <a:defRPr sz="1800" kern="1200">
@@ -3428,8 +3435,8 @@
         </p:nvSpPr>
         <p:spPr>
           <a:xfrm>
-            <a:off x="275167" y="3069167"/>
-            <a:ext cx="11360151" cy="1517651"/>
+            <a:off x="120651" y="3338915"/>
+            <a:ext cx="8520113" cy="1138238"/>
           </a:xfrm>
         </p:spPr>
         <p:txBody>
@@ -3442,7 +3449,7 @@
               </a:buClr>
             </a:pPr>
             <a:r>
-              <a:rPr lang="ru-RU" sz="2400" dirty="0" err="1" smtClean="0">
+              <a:rPr lang="ru-RU" sz="1800" dirty="0" err="1">
                 <a:latin typeface="Times New Roman" pitchFamily="18" charset="0"/>
                 <a:cs typeface="Times New Roman" pitchFamily="18" charset="0"/>
                 <a:sym typeface="Times New Roman" pitchFamily="18" charset="0"/>
@@ -3450,7 +3457,7 @@
               <a:t>Портирование</a:t>
             </a:r>
             <a:r>
-              <a:rPr lang="ru-RU" sz="2400" dirty="0" smtClean="0">
+              <a:rPr lang="ru-RU" sz="1800" dirty="0">
                 <a:latin typeface="Times New Roman" pitchFamily="18" charset="0"/>
                 <a:cs typeface="Times New Roman" pitchFamily="18" charset="0"/>
                 <a:sym typeface="Times New Roman" pitchFamily="18" charset="0"/>
@@ -3458,7 +3465,7 @@
               <a:t> веб-сервиса </a:t>
             </a:r>
             <a:r>
-              <a:rPr lang="ru-RU" sz="2400" dirty="0" err="1" smtClean="0">
+              <a:rPr lang="ru-RU" sz="1800" dirty="0" err="1">
                 <a:latin typeface="Times New Roman" pitchFamily="18" charset="0"/>
                 <a:cs typeface="Times New Roman" pitchFamily="18" charset="0"/>
                 <a:sym typeface="Times New Roman" pitchFamily="18" charset="0"/>
@@ -3466,7 +3473,7 @@
               <a:t>NotificationManager</a:t>
             </a:r>
             <a:r>
-              <a:rPr lang="ru-RU" sz="2400" dirty="0" smtClean="0">
+              <a:rPr lang="ru-RU" sz="1800" dirty="0">
                 <a:latin typeface="Times New Roman" pitchFamily="18" charset="0"/>
                 <a:cs typeface="Times New Roman" pitchFamily="18" charset="0"/>
                 <a:sym typeface="Times New Roman" pitchFamily="18" charset="0"/>
@@ -3474,14 +3481,14 @@
               <a:t> и</a:t>
             </a:r>
             <a:br>
-              <a:rPr lang="ru-RU" sz="2400" dirty="0" smtClean="0">
+              <a:rPr lang="ru-RU" sz="1800" dirty="0">
                 <a:latin typeface="Times New Roman" pitchFamily="18" charset="0"/>
                 <a:cs typeface="Times New Roman" pitchFamily="18" charset="0"/>
                 <a:sym typeface="Times New Roman" pitchFamily="18" charset="0"/>
               </a:rPr>
             </a:br>
             <a:r>
-              <a:rPr lang="ru-RU" sz="2400" dirty="0" smtClean="0">
+              <a:rPr lang="ru-RU" sz="1800" dirty="0">
                 <a:latin typeface="Times New Roman" pitchFamily="18" charset="0"/>
                 <a:cs typeface="Times New Roman" pitchFamily="18" charset="0"/>
                 <a:sym typeface="Times New Roman" pitchFamily="18" charset="0"/>
@@ -3489,7 +3496,7 @@
               <a:t>компонента пользовательского интерфейса системы </a:t>
             </a:r>
             <a:r>
-              <a:rPr lang="ru-RU" sz="2400" dirty="0" err="1" smtClean="0">
+              <a:rPr lang="ru-RU" sz="1800" dirty="0" err="1">
                 <a:latin typeface="Times New Roman" pitchFamily="18" charset="0"/>
                 <a:cs typeface="Times New Roman" pitchFamily="18" charset="0"/>
                 <a:sym typeface="Times New Roman" pitchFamily="18" charset="0"/>
@@ -3497,7 +3504,7 @@
               <a:t>Traccar</a:t>
             </a:r>
             <a:r>
-              <a:rPr lang="ru-RU" sz="2400" dirty="0" smtClean="0">
+              <a:rPr lang="ru-RU" sz="1800" dirty="0">
                 <a:latin typeface="Times New Roman" pitchFamily="18" charset="0"/>
                 <a:cs typeface="Times New Roman" pitchFamily="18" charset="0"/>
                 <a:sym typeface="Times New Roman" pitchFamily="18" charset="0"/>
@@ -3505,7 +3512,7 @@
               <a:t> на </a:t>
             </a:r>
             <a:r>
-              <a:rPr lang="ru-RU" sz="2400" dirty="0" err="1" smtClean="0">
+              <a:rPr lang="ru-RU" sz="1800" dirty="0" err="1">
                 <a:latin typeface="Times New Roman" pitchFamily="18" charset="0"/>
                 <a:cs typeface="Times New Roman" pitchFamily="18" charset="0"/>
                 <a:sym typeface="Times New Roman" pitchFamily="18" charset="0"/>
@@ -3513,7 +3520,7 @@
               <a:t>OSGi</a:t>
             </a:r>
             <a:r>
-              <a:rPr lang="ru-RU" sz="2400" dirty="0" smtClean="0">
+              <a:rPr lang="ru-RU" sz="1800" dirty="0">
                 <a:latin typeface="Times New Roman" pitchFamily="18" charset="0"/>
                 <a:cs typeface="Times New Roman" pitchFamily="18" charset="0"/>
                 <a:sym typeface="Times New Roman" pitchFamily="18" charset="0"/>
@@ -3521,7 +3528,7 @@
               <a:t> сервис и </a:t>
             </a:r>
             <a:r>
-              <a:rPr lang="ru-RU" sz="2400" dirty="0" err="1" smtClean="0">
+              <a:rPr lang="ru-RU" sz="1800" dirty="0" err="1">
                 <a:latin typeface="Times New Roman" pitchFamily="18" charset="0"/>
                 <a:cs typeface="Times New Roman" pitchFamily="18" charset="0"/>
                 <a:sym typeface="Times New Roman" pitchFamily="18" charset="0"/>
@@ -3529,7 +3536,7 @@
               <a:t>портлет</a:t>
             </a:r>
             <a:r>
-              <a:rPr lang="ru-RU" sz="2400" dirty="0" smtClean="0">
+              <a:rPr lang="ru-RU" sz="1800" dirty="0">
                 <a:latin typeface="Times New Roman" pitchFamily="18" charset="0"/>
                 <a:cs typeface="Times New Roman" pitchFamily="18" charset="0"/>
                 <a:sym typeface="Times New Roman" pitchFamily="18" charset="0"/>
@@ -3537,7 +3544,7 @@
               <a:t> платформы </a:t>
             </a:r>
             <a:r>
-              <a:rPr lang="ru-RU" sz="2400" dirty="0" err="1" smtClean="0">
+              <a:rPr lang="ru-RU" sz="1800" dirty="0" err="1">
                 <a:latin typeface="Times New Roman" pitchFamily="18" charset="0"/>
                 <a:cs typeface="Times New Roman" pitchFamily="18" charset="0"/>
                 <a:sym typeface="Times New Roman" pitchFamily="18" charset="0"/>
@@ -3545,7 +3552,7 @@
               <a:t>Liferay</a:t>
             </a:r>
             <a:r>
-              <a:rPr lang="ru-RU" sz="2400" dirty="0" smtClean="0">
+              <a:rPr lang="ru-RU" sz="1800" dirty="0">
                 <a:latin typeface="Times New Roman" pitchFamily="18" charset="0"/>
                 <a:cs typeface="Times New Roman" pitchFamily="18" charset="0"/>
                 <a:sym typeface="Times New Roman" pitchFamily="18" charset="0"/>
@@ -3567,13 +3574,13 @@
         </p:nvSpPr>
         <p:spPr>
           <a:xfrm>
-            <a:off x="8451852" y="4815417"/>
-            <a:ext cx="3549649" cy="1807452"/>
+            <a:off x="6338889" y="4468813"/>
+            <a:ext cx="2662237" cy="1736044"/>
           </a:xfrm>
         </p:spPr>
         <p:txBody>
           <a:bodyPr>
-            <a:normAutofit/>
+            <a:normAutofit lnSpcReduction="10000"/>
           </a:bodyPr>
           <a:lstStyle/>
           <a:p>
@@ -3743,8 +3750,8 @@
         </p:nvSpPr>
         <p:spPr bwMode="auto">
           <a:xfrm>
-            <a:off x="480485" y="0"/>
-            <a:ext cx="11711516" cy="1517651"/>
+            <a:off x="360364" y="857251"/>
+            <a:ext cx="8783637" cy="1138238"/>
           </a:xfrm>
           <a:prstGeom prst="rect">
             <a:avLst/>
@@ -3758,12 +3765,12 @@
           </a:ln>
         </p:spPr>
         <p:txBody>
-          <a:bodyPr lIns="121900" tIns="121900" rIns="121900" bIns="121900" anchor="ctr"/>
+          <a:bodyPr lIns="91425" tIns="91425" rIns="91425" bIns="91425" anchor="ctr"/>
           <a:lstStyle/>
           <a:p>
             <a:pPr algn="ctr"/>
             <a:r>
-              <a:rPr lang="ru-RU" sz="2400">
+              <a:rPr lang="ru-RU">
                 <a:latin typeface="Times New Roman" pitchFamily="18" charset="0"/>
                 <a:cs typeface="Times New Roman" pitchFamily="18" charset="0"/>
                 <a:sym typeface="Times New Roman" pitchFamily="18" charset="0"/>
@@ -3774,7 +3781,7 @@
           <a:p>
             <a:pPr algn="ctr"/>
             <a:r>
-              <a:rPr lang="ru-RU" sz="2400">
+              <a:rPr lang="ru-RU">
                 <a:latin typeface="Times New Roman" pitchFamily="18" charset="0"/>
                 <a:cs typeface="Times New Roman" pitchFamily="18" charset="0"/>
                 <a:sym typeface="Times New Roman" pitchFamily="18" charset="0"/>
@@ -3794,8 +3801,8 @@
         </p:nvSpPr>
         <p:spPr bwMode="auto">
           <a:xfrm>
-            <a:off x="0" y="789518"/>
-            <a:ext cx="12192000" cy="1983316"/>
+            <a:off x="0" y="1449389"/>
+            <a:ext cx="9144000" cy="1487487"/>
           </a:xfrm>
           <a:prstGeom prst="rect">
             <a:avLst/>
@@ -3809,12 +3816,12 @@
           </a:ln>
         </p:spPr>
         <p:txBody>
-          <a:bodyPr lIns="121900" tIns="121900" rIns="121900" bIns="121900" anchor="ctr"/>
+          <a:bodyPr lIns="91425" tIns="91425" rIns="91425" bIns="91425" anchor="ctr"/>
           <a:lstStyle/>
           <a:p>
             <a:pPr algn="ctr"/>
             <a:r>
-              <a:rPr lang="ru-RU" sz="2400" dirty="0">
+              <a:rPr lang="ru-RU" dirty="0">
                 <a:latin typeface="Times New Roman" pitchFamily="18" charset="0"/>
                 <a:cs typeface="Times New Roman" pitchFamily="18" charset="0"/>
                 <a:sym typeface="Times New Roman" pitchFamily="18" charset="0"/>
@@ -3825,7 +3832,7 @@
           <a:p>
             <a:pPr algn="ctr"/>
             <a:r>
-              <a:rPr lang="ru-RU" sz="2400" dirty="0">
+              <a:rPr lang="ru-RU" dirty="0">
                 <a:latin typeface="Times New Roman" pitchFamily="18" charset="0"/>
                 <a:cs typeface="Times New Roman" pitchFamily="18" charset="0"/>
                 <a:sym typeface="Times New Roman" pitchFamily="18" charset="0"/>
@@ -3836,7 +3843,7 @@
           <a:p>
             <a:pPr algn="ctr"/>
             <a:r>
-              <a:rPr lang="ru-RU" sz="2400" dirty="0">
+              <a:rPr lang="ru-RU" dirty="0">
                 <a:latin typeface="Times New Roman" pitchFamily="18" charset="0"/>
                 <a:cs typeface="Times New Roman" pitchFamily="18" charset="0"/>
                 <a:sym typeface="Times New Roman" pitchFamily="18" charset="0"/>
@@ -3863,8 +3870,8 @@
         </p:blipFill>
         <p:spPr bwMode="auto">
           <a:xfrm>
-            <a:off x="160867" y="349252"/>
-            <a:ext cx="1517651" cy="1517649"/>
+            <a:off x="120651" y="1119189"/>
+            <a:ext cx="1138238" cy="1138237"/>
           </a:xfrm>
           <a:prstGeom prst="rect">
             <a:avLst/>
@@ -3886,8 +3893,8 @@
         </p:nvSpPr>
         <p:spPr>
           <a:xfrm>
-            <a:off x="4035004" y="2561485"/>
-            <a:ext cx="4045659" cy="523220"/>
+            <a:off x="3026253" y="2778364"/>
+            <a:ext cx="3078792" cy="415498"/>
           </a:xfrm>
           <a:prstGeom prst="rect">
             <a:avLst/>
@@ -3901,10 +3908,33 @@
           <a:lstStyle/>
           <a:p>
             <a:r>
-              <a:rPr lang="ru-RU" sz="2800" dirty="0" smtClean="0"/>
+              <a:rPr lang="ru-RU" sz="2100" dirty="0"/>
               <a:t>Курсовая работа на тему:</a:t>
             </a:r>
-            <a:endParaRPr lang="ru-RU" sz="2800" dirty="0"/>
+            <a:endParaRPr lang="ru-RU" sz="2100" dirty="0"/>
+          </a:p>
+        </p:txBody>
+      </p:sp>
+      <p:sp>
+        <p:nvSpPr>
+          <p:cNvPr id="3" name="Номер слайда 2"/>
+          <p:cNvSpPr>
+            <a:spLocks noGrp="1"/>
+          </p:cNvSpPr>
+          <p:nvPr>
+            <p:ph type="sldNum" sz="quarter" idx="12"/>
+          </p:nvPr>
+        </p:nvSpPr>
+        <p:spPr/>
+        <p:txBody>
+          <a:bodyPr/>
+          <a:lstStyle/>
+          <a:p>
+            <a:fld id="{FE58C2F6-A446-4506-9C70-AB5F0118B8A8}" type="slidenum">
+              <a:rPr lang="ru-RU" smtClean="0"/>
+              <a:t>1</a:t>
+            </a:fld>
+            <a:endParaRPr lang="ru-RU"/>
           </a:p>
         </p:txBody>
       </p:sp>
@@ -3957,8 +3987,8 @@
         </p:nvSpPr>
         <p:spPr>
           <a:xfrm>
-            <a:off x="435928" y="-292100"/>
-            <a:ext cx="10515600" cy="1325563"/>
+            <a:off x="2390877" y="-132532"/>
+            <a:ext cx="7886700" cy="994172"/>
           </a:xfrm>
         </p:spPr>
         <p:txBody>
@@ -3968,10 +3998,10 @@
           <a:lstStyle/>
           <a:p>
             <a:r>
-              <a:rPr lang="ru-RU" sz="3200" dirty="0" smtClean="0"/>
+              <a:rPr lang="ru-RU" sz="2400" dirty="0"/>
               <a:t>Диаграмма классов</a:t>
             </a:r>
-            <a:endParaRPr lang="ru-RU" sz="3200" dirty="0"/>
+            <a:endParaRPr lang="ru-RU" sz="2400" dirty="0"/>
           </a:p>
         </p:txBody>
       </p:sp>
@@ -3996,8 +4026,8 @@
         </p:blipFill>
         <p:spPr bwMode="auto">
           <a:xfrm>
-            <a:off x="1600517" y="685800"/>
-            <a:ext cx="9129395" cy="5909945"/>
+            <a:off x="586433" y="861640"/>
+            <a:ext cx="8296310" cy="5748166"/>
           </a:xfrm>
           <a:prstGeom prst="rect">
             <a:avLst/>
@@ -4008,6 +4038,29 @@
           </a:ln>
         </p:spPr>
       </p:pic>
+      <p:sp>
+        <p:nvSpPr>
+          <p:cNvPr id="3" name="Номер слайда 2"/>
+          <p:cNvSpPr>
+            <a:spLocks noGrp="1"/>
+          </p:cNvSpPr>
+          <p:nvPr>
+            <p:ph type="sldNum" sz="quarter" idx="12"/>
+          </p:nvPr>
+        </p:nvSpPr>
+        <p:spPr/>
+        <p:txBody>
+          <a:bodyPr/>
+          <a:lstStyle/>
+          <a:p>
+            <a:fld id="{FE58C2F6-A446-4506-9C70-AB5F0118B8A8}" type="slidenum">
+              <a:rPr lang="ru-RU" smtClean="0"/>
+              <a:t>10</a:t>
+            </a:fld>
+            <a:endParaRPr lang="ru-RU"/>
+          </a:p>
+        </p:txBody>
+      </p:sp>
     </p:spTree>
     <p:extLst>
       <p:ext uri="{BB962C8B-B14F-4D97-AF65-F5344CB8AC3E}">
@@ -4057,19 +4110,21 @@
         </p:nvSpPr>
         <p:spPr>
           <a:xfrm>
-            <a:off x="738187" y="-320676"/>
-            <a:ext cx="10515600" cy="1325563"/>
+            <a:off x="826226" y="0"/>
+            <a:ext cx="7886700" cy="994172"/>
           </a:xfrm>
         </p:spPr>
         <p:txBody>
-          <a:bodyPr/>
-          <a:lstStyle/>
-          <a:p>
-            <a:r>
-              <a:rPr lang="ru-RU" dirty="0" smtClean="0"/>
+          <a:bodyPr>
+            <a:normAutofit/>
+          </a:bodyPr>
+          <a:lstStyle/>
+          <a:p>
+            <a:r>
+              <a:rPr lang="ru-RU" sz="3200" dirty="0" smtClean="0"/>
               <a:t>Зависимости между основными модулями</a:t>
             </a:r>
-            <a:endParaRPr lang="ru-RU" dirty="0"/>
+            <a:endParaRPr lang="ru-RU" sz="3200" dirty="0"/>
           </a:p>
         </p:txBody>
       </p:sp>
@@ -4094,8 +4149,8 @@
         </p:blipFill>
         <p:spPr bwMode="auto">
           <a:xfrm>
-            <a:off x="1566863" y="671513"/>
-            <a:ext cx="9220200" cy="6186487"/>
+            <a:off x="234620" y="862149"/>
+            <a:ext cx="8478305" cy="5995851"/>
           </a:xfrm>
           <a:prstGeom prst="rect">
             <a:avLst/>
@@ -4106,6 +4161,29 @@
           </a:ln>
         </p:spPr>
       </p:pic>
+      <p:sp>
+        <p:nvSpPr>
+          <p:cNvPr id="3" name="Номер слайда 2"/>
+          <p:cNvSpPr>
+            <a:spLocks noGrp="1"/>
+          </p:cNvSpPr>
+          <p:nvPr>
+            <p:ph type="sldNum" sz="quarter" idx="12"/>
+          </p:nvPr>
+        </p:nvSpPr>
+        <p:spPr/>
+        <p:txBody>
+          <a:bodyPr/>
+          <a:lstStyle/>
+          <a:p>
+            <a:fld id="{FE58C2F6-A446-4506-9C70-AB5F0118B8A8}" type="slidenum">
+              <a:rPr lang="ru-RU" smtClean="0"/>
+              <a:t>11</a:t>
+            </a:fld>
+            <a:endParaRPr lang="ru-RU"/>
+          </a:p>
+        </p:txBody>
+      </p:sp>
     </p:spTree>
     <p:extLst>
       <p:ext uri="{BB962C8B-B14F-4D97-AF65-F5344CB8AC3E}">
@@ -4155,8 +4233,8 @@
         </p:nvSpPr>
         <p:spPr>
           <a:xfrm>
-            <a:off x="3136106" y="-180975"/>
-            <a:ext cx="10515600" cy="1325563"/>
+            <a:off x="1894880" y="0"/>
+            <a:ext cx="7886700" cy="994172"/>
           </a:xfrm>
         </p:spPr>
         <p:txBody>
@@ -4211,8 +4289,8 @@
         </p:blipFill>
         <p:spPr bwMode="auto">
           <a:xfrm>
-            <a:off x="3136106" y="795337"/>
-            <a:ext cx="5376863" cy="6062663"/>
+            <a:off x="2443519" y="994172"/>
+            <a:ext cx="4727989" cy="5659721"/>
           </a:xfrm>
           <a:prstGeom prst="rect">
             <a:avLst/>
@@ -4223,6 +4301,29 @@
           </a:ln>
         </p:spPr>
       </p:pic>
+      <p:sp>
+        <p:nvSpPr>
+          <p:cNvPr id="5" name="Номер слайда 4"/>
+          <p:cNvSpPr>
+            <a:spLocks noGrp="1"/>
+          </p:cNvSpPr>
+          <p:nvPr>
+            <p:ph type="sldNum" sz="quarter" idx="12"/>
+          </p:nvPr>
+        </p:nvSpPr>
+        <p:spPr/>
+        <p:txBody>
+          <a:bodyPr/>
+          <a:lstStyle/>
+          <a:p>
+            <a:fld id="{FE58C2F6-A446-4506-9C70-AB5F0118B8A8}" type="slidenum">
+              <a:rPr lang="ru-RU" smtClean="0"/>
+              <a:t>12</a:t>
+            </a:fld>
+            <a:endParaRPr lang="ru-RU"/>
+          </a:p>
+        </p:txBody>
+      </p:sp>
     </p:spTree>
     <p:extLst>
       <p:ext uri="{BB962C8B-B14F-4D97-AF65-F5344CB8AC3E}">
@@ -4323,8 +4424,8 @@
         </p:blipFill>
         <p:spPr bwMode="auto">
           <a:xfrm>
-            <a:off x="1023938" y="1690688"/>
-            <a:ext cx="10329862" cy="4710112"/>
+            <a:off x="209006" y="1643448"/>
+            <a:ext cx="8725988" cy="4715692"/>
           </a:xfrm>
           <a:prstGeom prst="rect">
             <a:avLst/>
@@ -4335,6 +4436,29 @@
           </a:ln>
         </p:spPr>
       </p:pic>
+      <p:sp>
+        <p:nvSpPr>
+          <p:cNvPr id="5" name="Номер слайда 4"/>
+          <p:cNvSpPr>
+            <a:spLocks noGrp="1"/>
+          </p:cNvSpPr>
+          <p:nvPr>
+            <p:ph type="sldNum" sz="quarter" idx="12"/>
+          </p:nvPr>
+        </p:nvSpPr>
+        <p:spPr/>
+        <p:txBody>
+          <a:bodyPr/>
+          <a:lstStyle/>
+          <a:p>
+            <a:fld id="{FE58C2F6-A446-4506-9C70-AB5F0118B8A8}" type="slidenum">
+              <a:rPr lang="ru-RU" smtClean="0"/>
+              <a:t>13</a:t>
+            </a:fld>
+            <a:endParaRPr lang="ru-RU"/>
+          </a:p>
+        </p:txBody>
+      </p:sp>
     </p:spTree>
     <p:extLst>
       <p:ext uri="{BB962C8B-B14F-4D97-AF65-F5344CB8AC3E}">
@@ -4482,6 +4606,29 @@
           </a:p>
         </p:txBody>
       </p:sp>
+      <p:sp>
+        <p:nvSpPr>
+          <p:cNvPr id="4" name="Номер слайда 3"/>
+          <p:cNvSpPr>
+            <a:spLocks noGrp="1"/>
+          </p:cNvSpPr>
+          <p:nvPr>
+            <p:ph type="sldNum" sz="quarter" idx="12"/>
+          </p:nvPr>
+        </p:nvSpPr>
+        <p:spPr/>
+        <p:txBody>
+          <a:bodyPr/>
+          <a:lstStyle/>
+          <a:p>
+            <a:fld id="{FE58C2F6-A446-4506-9C70-AB5F0118B8A8}" type="slidenum">
+              <a:rPr lang="ru-RU" smtClean="0"/>
+              <a:t>14</a:t>
+            </a:fld>
+            <a:endParaRPr lang="ru-RU"/>
+          </a:p>
+        </p:txBody>
+      </p:sp>
     </p:spTree>
     <p:extLst>
       <p:ext uri="{BB962C8B-B14F-4D97-AF65-F5344CB8AC3E}">
@@ -4524,8 +4671,8 @@
         </p:nvSpPr>
         <p:spPr>
           <a:xfrm>
-            <a:off x="3352800" y="2479675"/>
-            <a:ext cx="10515600" cy="1325563"/>
+            <a:off x="1913709" y="2364310"/>
+            <a:ext cx="7886700" cy="994172"/>
           </a:xfrm>
         </p:spPr>
         <p:txBody>
@@ -4550,12 +4697,40 @@
             <p:ph idx="1"/>
           </p:nvPr>
         </p:nvSpPr>
+        <p:spPr>
+          <a:xfrm>
+            <a:off x="367393" y="7011579"/>
+            <a:ext cx="7886700" cy="4351338"/>
+          </a:xfrm>
+        </p:spPr>
+        <p:txBody>
+          <a:bodyPr/>
+          <a:lstStyle/>
+          <a:p>
+            <a:endParaRPr lang="ru-RU" dirty="0"/>
+          </a:p>
+        </p:txBody>
+      </p:sp>
+      <p:sp>
+        <p:nvSpPr>
+          <p:cNvPr id="4" name="Номер слайда 3"/>
+          <p:cNvSpPr>
+            <a:spLocks noGrp="1"/>
+          </p:cNvSpPr>
+          <p:nvPr>
+            <p:ph type="sldNum" sz="quarter" idx="12"/>
+          </p:nvPr>
+        </p:nvSpPr>
         <p:spPr/>
         <p:txBody>
           <a:bodyPr/>
           <a:lstStyle/>
           <a:p>
-            <a:endParaRPr lang="ru-RU" dirty="0"/>
+            <a:fld id="{FE58C2F6-A446-4506-9C70-AB5F0118B8A8}" type="slidenum">
+              <a:rPr lang="ru-RU" smtClean="0"/>
+              <a:t>15</a:t>
+            </a:fld>
+            <a:endParaRPr lang="ru-RU"/>
           </a:p>
         </p:txBody>
       </p:sp>
@@ -4649,14 +4824,37 @@
         </p:blipFill>
         <p:spPr>
           <a:xfrm>
-            <a:off x="685799" y="1291485"/>
-            <a:ext cx="10101263" cy="5442690"/>
+            <a:off x="514350" y="1825864"/>
+            <a:ext cx="7575947" cy="4082018"/>
           </a:xfrm>
           <a:prstGeom prst="rect">
             <a:avLst/>
           </a:prstGeom>
         </p:spPr>
       </p:pic>
+      <p:sp>
+        <p:nvSpPr>
+          <p:cNvPr id="3" name="Номер слайда 2"/>
+          <p:cNvSpPr>
+            <a:spLocks noGrp="1"/>
+          </p:cNvSpPr>
+          <p:nvPr>
+            <p:ph type="sldNum" sz="quarter" idx="12"/>
+          </p:nvPr>
+        </p:nvSpPr>
+        <p:spPr/>
+        <p:txBody>
+          <a:bodyPr/>
+          <a:lstStyle/>
+          <a:p>
+            <a:fld id="{FE58C2F6-A446-4506-9C70-AB5F0118B8A8}" type="slidenum">
+              <a:rPr lang="ru-RU" smtClean="0"/>
+              <a:t>2</a:t>
+            </a:fld>
+            <a:endParaRPr lang="ru-RU"/>
+          </a:p>
+        </p:txBody>
+      </p:sp>
     </p:spTree>
     <p:extLst>
       <p:ext uri="{BB962C8B-B14F-4D97-AF65-F5344CB8AC3E}">
@@ -4752,8 +4950,8 @@
         </p:blipFill>
         <p:spPr bwMode="auto">
           <a:xfrm>
-            <a:off x="1628774" y="1571296"/>
-            <a:ext cx="7872413" cy="4922330"/>
+            <a:off x="1221581" y="2035722"/>
+            <a:ext cx="5904310" cy="3691748"/>
           </a:xfrm>
           <a:prstGeom prst="rect">
             <a:avLst/>
@@ -4770,6 +4968,29 @@
           </a:extLst>
         </p:spPr>
       </p:pic>
+      <p:sp>
+        <p:nvSpPr>
+          <p:cNvPr id="3" name="Номер слайда 2"/>
+          <p:cNvSpPr>
+            <a:spLocks noGrp="1"/>
+          </p:cNvSpPr>
+          <p:nvPr>
+            <p:ph type="sldNum" sz="quarter" idx="12"/>
+          </p:nvPr>
+        </p:nvSpPr>
+        <p:spPr/>
+        <p:txBody>
+          <a:bodyPr/>
+          <a:lstStyle/>
+          <a:p>
+            <a:fld id="{FE58C2F6-A446-4506-9C70-AB5F0118B8A8}" type="slidenum">
+              <a:rPr lang="ru-RU" smtClean="0"/>
+              <a:t>3</a:t>
+            </a:fld>
+            <a:endParaRPr lang="ru-RU"/>
+          </a:p>
+        </p:txBody>
+      </p:sp>
     </p:spTree>
     <p:extLst>
       <p:ext uri="{BB962C8B-B14F-4D97-AF65-F5344CB8AC3E}">
@@ -4819,8 +5040,8 @@
         </p:nvSpPr>
         <p:spPr>
           <a:xfrm>
-            <a:off x="838200" y="-334963"/>
-            <a:ext cx="10515600" cy="1325563"/>
+            <a:off x="1531620" y="285988"/>
+            <a:ext cx="7886700" cy="994172"/>
           </a:xfrm>
         </p:spPr>
         <p:txBody>
@@ -4830,10 +5051,10 @@
           <a:lstStyle/>
           <a:p>
             <a:r>
-              <a:rPr lang="ru-RU" sz="3200" dirty="0" smtClean="0"/>
+              <a:rPr lang="ru-RU" sz="2400" dirty="0"/>
               <a:t>Система в окружении внешних систем</a:t>
             </a:r>
-            <a:endParaRPr lang="ru-RU" sz="3200" dirty="0"/>
+            <a:endParaRPr lang="ru-RU" sz="2400" dirty="0"/>
           </a:p>
         </p:txBody>
       </p:sp>
@@ -4858,8 +5079,8 @@
         </p:blipFill>
         <p:spPr bwMode="auto">
           <a:xfrm>
-            <a:off x="526414" y="742950"/>
-            <a:ext cx="10827386" cy="5900737"/>
+            <a:off x="0" y="1097280"/>
+            <a:ext cx="9144000" cy="5760720"/>
           </a:xfrm>
           <a:prstGeom prst="rect">
             <a:avLst/>
@@ -4870,6 +5091,29 @@
           </a:ln>
         </p:spPr>
       </p:pic>
+      <p:sp>
+        <p:nvSpPr>
+          <p:cNvPr id="3" name="Номер слайда 2"/>
+          <p:cNvSpPr>
+            <a:spLocks noGrp="1"/>
+          </p:cNvSpPr>
+          <p:nvPr>
+            <p:ph type="sldNum" sz="quarter" idx="12"/>
+          </p:nvPr>
+        </p:nvSpPr>
+        <p:spPr/>
+        <p:txBody>
+          <a:bodyPr/>
+          <a:lstStyle/>
+          <a:p>
+            <a:fld id="{FE58C2F6-A446-4506-9C70-AB5F0118B8A8}" type="slidenum">
+              <a:rPr lang="ru-RU" smtClean="0"/>
+              <a:t>4</a:t>
+            </a:fld>
+            <a:endParaRPr lang="ru-RU"/>
+          </a:p>
+        </p:txBody>
+      </p:sp>
     </p:spTree>
     <p:extLst>
       <p:ext uri="{BB962C8B-B14F-4D97-AF65-F5344CB8AC3E}">
@@ -4943,7 +5187,7 @@
         <p:spPr/>
         <p:txBody>
           <a:bodyPr>
-            <a:normAutofit fontScale="70000" lnSpcReduction="20000"/>
+            <a:normAutofit fontScale="55000" lnSpcReduction="20000"/>
           </a:bodyPr>
           <a:lstStyle/>
           <a:p>
@@ -5089,6 +5333,29 @@
           </a:p>
           <a:p>
             <a:endParaRPr lang="ru-RU" dirty="0"/>
+          </a:p>
+        </p:txBody>
+      </p:sp>
+      <p:sp>
+        <p:nvSpPr>
+          <p:cNvPr id="4" name="Номер слайда 3"/>
+          <p:cNvSpPr>
+            <a:spLocks noGrp="1"/>
+          </p:cNvSpPr>
+          <p:nvPr>
+            <p:ph type="sldNum" sz="quarter" idx="12"/>
+          </p:nvPr>
+        </p:nvSpPr>
+        <p:spPr/>
+        <p:txBody>
+          <a:bodyPr/>
+          <a:lstStyle/>
+          <a:p>
+            <a:fld id="{FE58C2F6-A446-4506-9C70-AB5F0118B8A8}" type="slidenum">
+              <a:rPr lang="ru-RU" smtClean="0"/>
+              <a:t>5</a:t>
+            </a:fld>
+            <a:endParaRPr lang="ru-RU"/>
           </a:p>
         </p:txBody>
       </p:sp>
@@ -5141,8 +5408,8 @@
         </p:nvSpPr>
         <p:spPr>
           <a:xfrm>
-            <a:off x="766762" y="-306388"/>
-            <a:ext cx="10515600" cy="1325563"/>
+            <a:off x="737398" y="0"/>
+            <a:ext cx="7886700" cy="994172"/>
           </a:xfrm>
         </p:spPr>
         <p:txBody>
@@ -5152,10 +5419,10 @@
           <a:lstStyle/>
           <a:p>
             <a:r>
-              <a:rPr lang="ru-RU" sz="3200" dirty="0" smtClean="0"/>
+              <a:rPr lang="ru-RU" sz="2400" dirty="0"/>
               <a:t>Выявление заинтересованных сторон и их интересов</a:t>
             </a:r>
-            <a:endParaRPr lang="ru-RU" sz="3200" dirty="0"/>
+            <a:endParaRPr lang="ru-RU" sz="2400" dirty="0"/>
           </a:p>
         </p:txBody>
       </p:sp>
@@ -5175,14 +5442,37 @@
         </p:blipFill>
         <p:spPr>
           <a:xfrm>
-            <a:off x="983197" y="600075"/>
-            <a:ext cx="8951379" cy="6257925"/>
+            <a:off x="371638" y="784791"/>
+            <a:ext cx="8406602" cy="5877071"/>
           </a:xfrm>
           <a:prstGeom prst="rect">
             <a:avLst/>
           </a:prstGeom>
         </p:spPr>
       </p:pic>
+      <p:sp>
+        <p:nvSpPr>
+          <p:cNvPr id="3" name="Номер слайда 2"/>
+          <p:cNvSpPr>
+            <a:spLocks noGrp="1"/>
+          </p:cNvSpPr>
+          <p:nvPr>
+            <p:ph type="sldNum" sz="quarter" idx="12"/>
+          </p:nvPr>
+        </p:nvSpPr>
+        <p:spPr/>
+        <p:txBody>
+          <a:bodyPr/>
+          <a:lstStyle/>
+          <a:p>
+            <a:fld id="{FE58C2F6-A446-4506-9C70-AB5F0118B8A8}" type="slidenum">
+              <a:rPr lang="ru-RU" smtClean="0"/>
+              <a:t>6</a:t>
+            </a:fld>
+            <a:endParaRPr lang="ru-RU"/>
+          </a:p>
+        </p:txBody>
+      </p:sp>
     </p:spTree>
     <p:extLst>
       <p:ext uri="{BB962C8B-B14F-4D97-AF65-F5344CB8AC3E}">
@@ -5232,8 +5522,8 @@
         </p:nvSpPr>
         <p:spPr>
           <a:xfrm>
-            <a:off x="781050" y="-277813"/>
-            <a:ext cx="10515600" cy="1325563"/>
+            <a:off x="2192519" y="0"/>
+            <a:ext cx="7886700" cy="994172"/>
           </a:xfrm>
         </p:spPr>
         <p:txBody>
@@ -5243,10 +5533,10 @@
           <a:lstStyle/>
           <a:p>
             <a:r>
-              <a:rPr lang="ru-RU" sz="3200" dirty="0" smtClean="0"/>
+              <a:rPr lang="ru-RU" sz="2400" dirty="0"/>
               <a:t>Выбор технических решений</a:t>
             </a:r>
-            <a:endParaRPr lang="ru-RU" sz="3200" dirty="0"/>
+            <a:endParaRPr lang="ru-RU" sz="2400" dirty="0"/>
           </a:p>
         </p:txBody>
       </p:sp>
@@ -5266,14 +5556,37 @@
         </p:blipFill>
         <p:spPr>
           <a:xfrm>
-            <a:off x="1242239" y="612062"/>
-            <a:ext cx="8058924" cy="6098301"/>
+            <a:off x="748799" y="994172"/>
+            <a:ext cx="7637555" cy="5779445"/>
           </a:xfrm>
           <a:prstGeom prst="rect">
             <a:avLst/>
           </a:prstGeom>
         </p:spPr>
       </p:pic>
+      <p:sp>
+        <p:nvSpPr>
+          <p:cNvPr id="3" name="Номер слайда 2"/>
+          <p:cNvSpPr>
+            <a:spLocks noGrp="1"/>
+          </p:cNvSpPr>
+          <p:nvPr>
+            <p:ph type="sldNum" sz="quarter" idx="12"/>
+          </p:nvPr>
+        </p:nvSpPr>
+        <p:spPr/>
+        <p:txBody>
+          <a:bodyPr/>
+          <a:lstStyle/>
+          <a:p>
+            <a:fld id="{FE58C2F6-A446-4506-9C70-AB5F0118B8A8}" type="slidenum">
+              <a:rPr lang="ru-RU" smtClean="0"/>
+              <a:t>7</a:t>
+            </a:fld>
+            <a:endParaRPr lang="ru-RU"/>
+          </a:p>
+        </p:txBody>
+      </p:sp>
     </p:spTree>
     <p:extLst>
       <p:ext uri="{BB962C8B-B14F-4D97-AF65-F5344CB8AC3E}">
@@ -5323,8 +5636,8 @@
         </p:nvSpPr>
         <p:spPr>
           <a:xfrm>
-            <a:off x="683578" y="-149225"/>
-            <a:ext cx="10515600" cy="1325563"/>
+            <a:off x="2916250" y="0"/>
+            <a:ext cx="7886700" cy="994172"/>
           </a:xfrm>
         </p:spPr>
         <p:txBody>
@@ -5334,10 +5647,10 @@
           <a:lstStyle/>
           <a:p>
             <a:r>
-              <a:rPr lang="ru-RU" sz="3200" dirty="0" smtClean="0"/>
+              <a:rPr lang="ru-RU" sz="2400" dirty="0"/>
               <a:t>Диаграмма компонентов</a:t>
             </a:r>
-            <a:endParaRPr lang="ru-RU" sz="3200" dirty="0"/>
+            <a:endParaRPr lang="ru-RU" sz="2400" dirty="0"/>
           </a:p>
         </p:txBody>
       </p:sp>
@@ -5381,8 +5694,8 @@
         </p:blipFill>
         <p:spPr bwMode="auto">
           <a:xfrm>
-            <a:off x="971868" y="885825"/>
-            <a:ext cx="10381932" cy="5830094"/>
+            <a:off x="154135" y="994172"/>
+            <a:ext cx="8989865" cy="5414758"/>
           </a:xfrm>
           <a:prstGeom prst="rect">
             <a:avLst/>
@@ -5393,6 +5706,29 @@
           </a:ln>
         </p:spPr>
       </p:pic>
+      <p:sp>
+        <p:nvSpPr>
+          <p:cNvPr id="5" name="Номер слайда 4"/>
+          <p:cNvSpPr>
+            <a:spLocks noGrp="1"/>
+          </p:cNvSpPr>
+          <p:nvPr>
+            <p:ph type="sldNum" sz="quarter" idx="12"/>
+          </p:nvPr>
+        </p:nvSpPr>
+        <p:spPr/>
+        <p:txBody>
+          <a:bodyPr/>
+          <a:lstStyle/>
+          <a:p>
+            <a:fld id="{FE58C2F6-A446-4506-9C70-AB5F0118B8A8}" type="slidenum">
+              <a:rPr lang="ru-RU" smtClean="0"/>
+              <a:t>8</a:t>
+            </a:fld>
+            <a:endParaRPr lang="ru-RU"/>
+          </a:p>
+        </p:txBody>
+      </p:sp>
     </p:spTree>
     <p:extLst>
       <p:ext uri="{BB962C8B-B14F-4D97-AF65-F5344CB8AC3E}">
@@ -5449,8 +5785,8 @@
         </p:blipFill>
         <p:spPr bwMode="auto">
           <a:xfrm>
-            <a:off x="585788" y="0"/>
-            <a:ext cx="10444161" cy="5938837"/>
+            <a:off x="360964" y="261257"/>
+            <a:ext cx="8574030" cy="5494258"/>
           </a:xfrm>
           <a:prstGeom prst="rect">
             <a:avLst/>
@@ -5478,8 +5814,8 @@
         </p:nvSpPr>
         <p:spPr>
           <a:xfrm>
-            <a:off x="3986213" y="5532437"/>
-            <a:ext cx="10515600" cy="1325563"/>
+            <a:off x="2937408" y="5863828"/>
+            <a:ext cx="7886700" cy="994172"/>
           </a:xfrm>
         </p:spPr>
         <p:txBody>
@@ -5489,10 +5825,33 @@
           <a:lstStyle/>
           <a:p>
             <a:r>
-              <a:rPr lang="ru-RU" sz="3200" dirty="0" smtClean="0"/>
+              <a:rPr lang="ru-RU" sz="2400" dirty="0"/>
               <a:t>Модульная диаграмма</a:t>
             </a:r>
-            <a:endParaRPr lang="ru-RU" sz="3200" dirty="0"/>
+            <a:endParaRPr lang="ru-RU" sz="2400" dirty="0"/>
+          </a:p>
+        </p:txBody>
+      </p:sp>
+      <p:sp>
+        <p:nvSpPr>
+          <p:cNvPr id="3" name="Номер слайда 2"/>
+          <p:cNvSpPr>
+            <a:spLocks noGrp="1"/>
+          </p:cNvSpPr>
+          <p:nvPr>
+            <p:ph type="sldNum" sz="quarter" idx="12"/>
+          </p:nvPr>
+        </p:nvSpPr>
+        <p:spPr/>
+        <p:txBody>
+          <a:bodyPr/>
+          <a:lstStyle/>
+          <a:p>
+            <a:fld id="{FE58C2F6-A446-4506-9C70-AB5F0118B8A8}" type="slidenum">
+              <a:rPr lang="ru-RU" smtClean="0"/>
+              <a:t>9</a:t>
+            </a:fld>
+            <a:endParaRPr lang="ru-RU"/>
           </a:p>
         </p:txBody>
       </p:sp>
@@ -5519,7 +5878,7 @@
 <file path=ppt/theme/theme1.xml><?xml version="1.0" encoding="utf-8"?>
 <a:theme xmlns:a="http://schemas.openxmlformats.org/drawingml/2006/main" name="Тема Office">
   <a:themeElements>
-    <a:clrScheme name="Стандартная">
+    <a:clrScheme name="Тема Office">
       <a:dk1>
         <a:sysClr val="windowText" lastClr="000000"/>
       </a:dk1>
@@ -5557,7 +5916,7 @@
         <a:srgbClr val="954F72"/>
       </a:folHlink>
     </a:clrScheme>
-    <a:fontScheme name="Стандартная">
+    <a:fontScheme name="Тема Office">
       <a:majorFont>
         <a:latin typeface="Calibri Light" panose="020F0302020204030204"/>
         <a:ea typeface=""/>
@@ -5629,7 +5988,7 @@
         <a:font script="Geor" typeface="Sylfaen"/>
       </a:minorFont>
     </a:fontScheme>
-    <a:fmtScheme name="Стандартная">
+    <a:fmtScheme name="Тема Office">
       <a:fillStyleLst>
         <a:solidFill>
           <a:schemeClr val="phClr"/>

--- a/Презентация.pptx
+++ b/Презентация.pptx
@@ -3911,7 +3911,6 @@
               <a:rPr lang="ru-RU" sz="2100" dirty="0"/>
               <a:t>Курсовая работа на тему:</a:t>
             </a:r>
-            <a:endParaRPr lang="ru-RU" sz="2100" dirty="0"/>
           </a:p>
         </p:txBody>
       </p:sp>
@@ -4001,7 +4000,6 @@
               <a:rPr lang="ru-RU" sz="2400" dirty="0"/>
               <a:t>Диаграмма классов</a:t>
             </a:r>
-            <a:endParaRPr lang="ru-RU" sz="2400" dirty="0"/>
           </a:p>
         </p:txBody>
       </p:sp>
@@ -4950,8 +4948,8 @@
         </p:blipFill>
         <p:spPr bwMode="auto">
           <a:xfrm>
-            <a:off x="1221581" y="2035722"/>
-            <a:ext cx="5904310" cy="3691748"/>
+            <a:off x="841041" y="1690689"/>
+            <a:ext cx="7461917" cy="4665662"/>
           </a:xfrm>
           <a:prstGeom prst="rect">
             <a:avLst/>
@@ -5054,7 +5052,6 @@
               <a:rPr lang="ru-RU" sz="2400" dirty="0"/>
               <a:t>Система в окружении внешних систем</a:t>
             </a:r>
-            <a:endParaRPr lang="ru-RU" sz="2400" dirty="0"/>
           </a:p>
         </p:txBody>
       </p:sp>
@@ -5422,7 +5419,6 @@
               <a:rPr lang="ru-RU" sz="2400" dirty="0"/>
               <a:t>Выявление заинтересованных сторон и их интересов</a:t>
             </a:r>
-            <a:endParaRPr lang="ru-RU" sz="2400" dirty="0"/>
           </a:p>
         </p:txBody>
       </p:sp>
@@ -5536,7 +5532,6 @@
               <a:rPr lang="ru-RU" sz="2400" dirty="0"/>
               <a:t>Выбор технических решений</a:t>
             </a:r>
-            <a:endParaRPr lang="ru-RU" sz="2400" dirty="0"/>
           </a:p>
         </p:txBody>
       </p:sp>
@@ -5650,7 +5645,6 @@
               <a:rPr lang="ru-RU" sz="2400" dirty="0"/>
               <a:t>Диаграмма компонентов</a:t>
             </a:r>
-            <a:endParaRPr lang="ru-RU" sz="2400" dirty="0"/>
           </a:p>
         </p:txBody>
       </p:sp>
@@ -5828,7 +5822,6 @@
               <a:rPr lang="ru-RU" sz="2400" dirty="0"/>
               <a:t>Модульная диаграмма</a:t>
             </a:r>
-            <a:endParaRPr lang="ru-RU" sz="2400" dirty="0"/>
           </a:p>
         </p:txBody>
       </p:sp>

--- a/Презентация.pptx
+++ b/Презентация.pptx
@@ -3750,7 +3750,7 @@
         </p:nvSpPr>
         <p:spPr bwMode="auto">
           <a:xfrm>
-            <a:off x="360364" y="857251"/>
+            <a:off x="360363" y="166098"/>
             <a:ext cx="8783637" cy="1138238"/>
           </a:xfrm>
           <a:prstGeom prst="rect">
@@ -3770,7 +3770,7 @@
           <a:p>
             <a:pPr algn="ctr"/>
             <a:r>
-              <a:rPr lang="ru-RU">
+              <a:rPr lang="ru-RU" dirty="0">
                 <a:latin typeface="Times New Roman" pitchFamily="18" charset="0"/>
                 <a:cs typeface="Times New Roman" pitchFamily="18" charset="0"/>
                 <a:sym typeface="Times New Roman" pitchFamily="18" charset="0"/>
@@ -3781,7 +3781,7 @@
           <a:p>
             <a:pPr algn="ctr"/>
             <a:r>
-              <a:rPr lang="ru-RU">
+              <a:rPr lang="ru-RU" dirty="0">
                 <a:latin typeface="Times New Roman" pitchFamily="18" charset="0"/>
                 <a:cs typeface="Times New Roman" pitchFamily="18" charset="0"/>
                 <a:sym typeface="Times New Roman" pitchFamily="18" charset="0"/>
@@ -3801,7 +3801,7 @@
         </p:nvSpPr>
         <p:spPr bwMode="auto">
           <a:xfrm>
-            <a:off x="0" y="1449389"/>
+            <a:off x="-6351" y="898338"/>
             <a:ext cx="9144000" cy="1487487"/>
           </a:xfrm>
           <a:prstGeom prst="rect">
@@ -3870,7 +3870,7 @@
         </p:blipFill>
         <p:spPr bwMode="auto">
           <a:xfrm>
-            <a:off x="120651" y="1119189"/>
+            <a:off x="120651" y="642644"/>
             <a:ext cx="1138238" cy="1138237"/>
           </a:xfrm>
           <a:prstGeom prst="rect">
@@ -4637,6 +4637,13 @@
   <p:clrMapOvr>
     <a:masterClrMapping/>
   </p:clrMapOvr>
+  <p:timing>
+    <p:tnLst>
+      <p:par>
+        <p:cTn id="1" dur="indefinite" restart="never" nodeType="tmRoot"/>
+      </p:par>
+    </p:tnLst>
+  </p:timing>
 </p:sld>
 </file>
 
@@ -5184,7 +5191,7 @@
         <p:spPr/>
         <p:txBody>
           <a:bodyPr>
-            <a:normAutofit fontScale="55000" lnSpcReduction="20000"/>
+            <a:normAutofit fontScale="62500" lnSpcReduction="20000"/>
           </a:bodyPr>
           <a:lstStyle/>
           <a:p>
@@ -5197,50 +5204,54 @@
             </a:r>
             <a:r>
               <a:rPr lang="ru-RU" dirty="0" err="1" smtClean="0"/>
-              <a:t>Портирование</a:t>
-            </a:r>
-            <a:r>
-              <a:rPr lang="ru-RU" dirty="0" smtClean="0"/>
+              <a:t>Портиро</a:t>
+            </a:r>
+            <a:r>
+              <a:rPr lang="ru-RU" sz="2700" dirty="0" err="1"/>
+              <a:t>вание</a:t>
+            </a:r>
+            <a:r>
+              <a:rPr lang="ru-RU" sz="2700" dirty="0"/>
               <a:t> </a:t>
             </a:r>
             <a:r>
-              <a:rPr lang="ru-RU" dirty="0"/>
+              <a:rPr lang="ru-RU" sz="2700" dirty="0"/>
               <a:t>веб-сервиса </a:t>
             </a:r>
             <a:r>
-              <a:rPr lang="en-US" dirty="0"/>
+              <a:rPr lang="en-US" sz="2700" dirty="0"/>
               <a:t>Notification</a:t>
             </a:r>
             <a:r>
-              <a:rPr lang="ru-RU" dirty="0" err="1"/>
+              <a:rPr lang="ru-RU" sz="2700" dirty="0" err="1"/>
               <a:t>Manager</a:t>
             </a:r>
             <a:r>
-              <a:rPr lang="ru-RU" dirty="0"/>
+              <a:rPr lang="ru-RU" sz="2700" dirty="0"/>
               <a:t> и компонента пользовательского интерфейса системы </a:t>
             </a:r>
             <a:r>
-              <a:rPr lang="ru-RU" dirty="0" err="1"/>
+              <a:rPr lang="ru-RU" sz="2700" dirty="0" err="1"/>
               <a:t>Traccar</a:t>
             </a:r>
             <a:r>
-              <a:rPr lang="ru-RU" dirty="0"/>
+              <a:rPr lang="ru-RU" sz="2700" dirty="0"/>
               <a:t> на OSGI сервис и </a:t>
             </a:r>
             <a:r>
-              <a:rPr lang="ru-RU" dirty="0" err="1"/>
+              <a:rPr lang="ru-RU" sz="2700" dirty="0" err="1"/>
               <a:t>портлет</a:t>
             </a:r>
             <a:r>
-              <a:rPr lang="ru-RU" dirty="0"/>
+              <a:rPr lang="ru-RU" sz="2700" dirty="0"/>
               <a:t> платформы </a:t>
             </a:r>
             <a:r>
-              <a:rPr lang="ru-RU" dirty="0" err="1"/>
+              <a:rPr lang="ru-RU" sz="2700" dirty="0" err="1"/>
               <a:t>Liferay</a:t>
             </a:r>
             <a:r>
-              <a:rPr lang="ru-RU" dirty="0"/>
+              <a:rPr lang="ru-RU" sz="2700" dirty="0"/>
               <a:t> с сохранением протокола взаимодействия клиента с сервером.</a:t>
             </a:r>
           </a:p>

--- a/Презентация.pptx
+++ b/Презентация.pptx
@@ -4247,25 +4247,6 @@
           </a:p>
         </p:txBody>
       </p:sp>
-      <p:sp>
-        <p:nvSpPr>
-          <p:cNvPr id="3" name="Объект 2"/>
-          <p:cNvSpPr>
-            <a:spLocks noGrp="1"/>
-          </p:cNvSpPr>
-          <p:nvPr>
-            <p:ph idx="1"/>
-          </p:nvPr>
-        </p:nvSpPr>
-        <p:spPr/>
-        <p:txBody>
-          <a:bodyPr/>
-          <a:lstStyle/>
-          <a:p>
-            <a:endParaRPr lang="ru-RU" dirty="0"/>
-          </a:p>
-        </p:txBody>
-      </p:sp>
       <p:pic>
         <p:nvPicPr>
           <p:cNvPr id="4" name="Рисунок 3"/>
@@ -4288,7 +4269,7 @@
         <p:spPr bwMode="auto">
           <a:xfrm>
             <a:off x="2443519" y="994172"/>
-            <a:ext cx="4727989" cy="5659721"/>
+            <a:ext cx="3891967" cy="5659721"/>
           </a:xfrm>
           <a:prstGeom prst="rect">
             <a:avLst/>
@@ -4422,8 +4403,8 @@
         </p:blipFill>
         <p:spPr bwMode="auto">
           <a:xfrm>
-            <a:off x="209006" y="1643448"/>
-            <a:ext cx="8725988" cy="4715692"/>
+            <a:off x="209006" y="1870076"/>
+            <a:ext cx="8725988" cy="4489063"/>
           </a:xfrm>
           <a:prstGeom prst="rect">
             <a:avLst/>
@@ -5790,7 +5771,7 @@
         </p:blipFill>
         <p:spPr bwMode="auto">
           <a:xfrm>
-            <a:off x="360964" y="261257"/>
+            <a:off x="321776" y="928133"/>
             <a:ext cx="8574030" cy="5494258"/>
           </a:xfrm>
           <a:prstGeom prst="rect">
@@ -5819,7 +5800,7 @@
         </p:nvSpPr>
         <p:spPr>
           <a:xfrm>
-            <a:off x="2937408" y="5863828"/>
+            <a:off x="2676151" y="0"/>
             <a:ext cx="7886700" cy="994172"/>
           </a:xfrm>
         </p:spPr>
